--- a/제출자료/발표자료/발표 자료_13주차_12조_조성욱.pptx
+++ b/제출자료/발표자료/발표 자료_13주차_12조_조성욱.pptx
@@ -7,9 +7,11 @@
     <p:sldMasterId id="2147483674" r:id="rId3"/>
   </p:sldMasterIdLst>
   <p:sldIdLst>
-    <p:sldId id="266" r:id="rId4"/>
-    <p:sldId id="267" r:id="rId5"/>
-    <p:sldId id="268" r:id="rId6"/>
+    <p:sldId id="269" r:id="rId4"/>
+    <p:sldId id="270" r:id="rId5"/>
+    <p:sldId id="266" r:id="rId6"/>
+    <p:sldId id="267" r:id="rId7"/>
+    <p:sldId id="268" r:id="rId8"/>
   </p:sldIdLst>
   <p:sldSz cx="10693400" cy="7561263"/>
   <p:notesSz cx="7559675" cy="10691813"/>
@@ -6487,16 +6489,6 @@
                 <a:spcPts val="2401"/>
               </a:lnSpc>
             </a:pPr>
-            <a:endParaRPr lang="en-US" sz="2800" b="0" strike="noStrike" spc="-1" dirty="0">
-              <a:latin typeface="Times New Roman"/>
-            </a:endParaRPr>
-          </a:p>
-          <a:p>
-            <a:pPr>
-              <a:lnSpc>
-                <a:spcPts val="2401"/>
-              </a:lnSpc>
-            </a:pPr>
             <a:r>
               <a:rPr lang="en-US" sz="2800" spc="-1" dirty="0">
                 <a:solidFill>
@@ -6504,7 +6496,16 @@
                 </a:solidFill>
                 <a:latin typeface="나눔명조"/>
               </a:rPr>
-              <a:t> Troubleshooting</a:t>
+              <a:t> </a:t>
+            </a:r>
+            <a:r>
+              <a:rPr lang="ko-KR" altLang="en-US" sz="2800" spc="-1" dirty="0">
+                <a:solidFill>
+                  <a:srgbClr val="00AAAE"/>
+                </a:solidFill>
+                <a:latin typeface="나눔명조"/>
+              </a:rPr>
+              <a:t>최적 경로 제안</a:t>
             </a:r>
             <a:endParaRPr lang="en-US" sz="2800" b="0" strike="noStrike" spc="-1" dirty="0">
               <a:latin typeface="Times New Roman"/>
@@ -6552,17 +6553,7 @@
                 <a:spcPts val="18499"/>
               </a:lnSpc>
             </a:pPr>
-            <a:r>
-              <a:rPr lang="en-US" sz="18500" b="0" strike="noStrike" spc="-117">
-                <a:solidFill>
-                  <a:srgbClr val="E1E2E3"/>
-                </a:solidFill>
-                <a:latin typeface="나눔명조"/>
-                <a:ea typeface="나눔명조"/>
-              </a:rPr>
-              <a:t>2</a:t>
-            </a:r>
-            <a:endParaRPr lang="en-US" sz="18500" b="0" strike="noStrike" spc="-1">
+            <a:endParaRPr lang="en-US" sz="18500" b="0" strike="noStrike" spc="-1" dirty="0">
               <a:latin typeface="Times New Roman"/>
             </a:endParaRPr>
           </a:p>
@@ -6720,8 +6711,8 @@
         </p:nvSpPr>
         <p:spPr>
           <a:xfrm>
-            <a:off x="4319998" y="1690199"/>
-            <a:ext cx="5755681" cy="5313273"/>
+            <a:off x="6610888" y="1690197"/>
+            <a:ext cx="3436352" cy="5313273"/>
           </a:xfrm>
           <a:prstGeom prst="rect">
             <a:avLst/>
@@ -6755,114 +6746,24 @@
               <a:buChar char="-"/>
             </a:pPr>
             <a:r>
-              <a:rPr lang="en-US" altLang="ko-KR" sz="2100" spc="-1" dirty="0">
+              <a:rPr lang="ko-KR" altLang="en-US" sz="2100" spc="-1" dirty="0">
                 <a:solidFill>
                   <a:srgbClr val="745EA8"/>
                 </a:solidFill>
                 <a:latin typeface="나눔고딕" panose="020D0604000000000000" pitchFamily="50" charset="-127"/>
                 <a:ea typeface="나눔고딕" panose="020D0604000000000000" pitchFamily="50" charset="-127"/>
               </a:rPr>
-              <a:t> Application class: </a:t>
-            </a:r>
-            <a:r>
-              <a:rPr lang="ko-KR" altLang="en-US" sz="2100" spc="-1" dirty="0">
+              <a:t> 구매 품목들을 통해 </a:t>
+            </a:r>
+            <a:r>
+              <a:rPr lang="en-US" altLang="ko-KR" sz="2100" spc="-1" dirty="0">
                 <a:solidFill>
                   <a:srgbClr val="745EA8"/>
                 </a:solidFill>
                 <a:latin typeface="나눔고딕" panose="020D0604000000000000" pitchFamily="50" charset="-127"/>
                 <a:ea typeface="나눔고딕" panose="020D0604000000000000" pitchFamily="50" charset="-127"/>
               </a:rPr>
-              <a:t>전역 </a:t>
-            </a:r>
-            <a:r>
-              <a:rPr lang="en-US" altLang="ko-KR" sz="2100" spc="-1" dirty="0">
-                <a:solidFill>
-                  <a:srgbClr val="745EA8"/>
-                </a:solidFill>
-                <a:latin typeface="나눔고딕" panose="020D0604000000000000" pitchFamily="50" charset="-127"/>
-                <a:ea typeface="나눔고딕" panose="020D0604000000000000" pitchFamily="50" charset="-127"/>
-              </a:rPr>
-              <a:t>Class </a:t>
-            </a:r>
-            <a:r>
-              <a:rPr lang="ko-KR" altLang="en-US" sz="2100" spc="-1" dirty="0">
-                <a:solidFill>
-                  <a:srgbClr val="745EA8"/>
-                </a:solidFill>
-                <a:latin typeface="나눔고딕" panose="020D0604000000000000" pitchFamily="50" charset="-127"/>
-                <a:ea typeface="나눔고딕" panose="020D0604000000000000" pitchFamily="50" charset="-127"/>
-              </a:rPr>
-              <a:t>역할</a:t>
-            </a:r>
-            <a:r>
-              <a:rPr lang="en-US" altLang="ko-KR" sz="2100" spc="-1" dirty="0">
-                <a:solidFill>
-                  <a:srgbClr val="745EA8"/>
-                </a:solidFill>
-                <a:latin typeface="나눔고딕" panose="020D0604000000000000" pitchFamily="50" charset="-127"/>
-                <a:ea typeface="나눔고딕" panose="020D0604000000000000" pitchFamily="50" charset="-127"/>
-              </a:rPr>
-              <a:t>. Activity</a:t>
-            </a:r>
-            <a:r>
-              <a:rPr lang="ko-KR" altLang="en-US" sz="2100" spc="-1" dirty="0">
-                <a:solidFill>
-                  <a:srgbClr val="745EA8"/>
-                </a:solidFill>
-                <a:latin typeface="나눔고딕" panose="020D0604000000000000" pitchFamily="50" charset="-127"/>
-                <a:ea typeface="나눔고딕" panose="020D0604000000000000" pitchFamily="50" charset="-127"/>
-              </a:rPr>
-              <a:t>간</a:t>
-            </a:r>
-            <a:r>
-              <a:rPr lang="en-US" altLang="ko-KR" sz="2100" spc="-1" dirty="0">
-                <a:solidFill>
-                  <a:srgbClr val="745EA8"/>
-                </a:solidFill>
-                <a:latin typeface="나눔고딕" panose="020D0604000000000000" pitchFamily="50" charset="-127"/>
-                <a:ea typeface="나눔고딕" panose="020D0604000000000000" pitchFamily="50" charset="-127"/>
-              </a:rPr>
-              <a:t>data</a:t>
-            </a:r>
-            <a:r>
-              <a:rPr lang="ko-KR" altLang="en-US" sz="2100" spc="-1" dirty="0">
-                <a:solidFill>
-                  <a:srgbClr val="745EA8"/>
-                </a:solidFill>
-                <a:latin typeface="나눔고딕" panose="020D0604000000000000" pitchFamily="50" charset="-127"/>
-                <a:ea typeface="나눔고딕" panose="020D0604000000000000" pitchFamily="50" charset="-127"/>
-              </a:rPr>
-              <a:t>를 공유할 때 사용</a:t>
-            </a:r>
-            <a:r>
-              <a:rPr lang="en-US" altLang="ko-KR" sz="2100" spc="-1" dirty="0">
-                <a:solidFill>
-                  <a:srgbClr val="745EA8"/>
-                </a:solidFill>
-                <a:latin typeface="나눔고딕" panose="020D0604000000000000" pitchFamily="50" charset="-127"/>
-                <a:ea typeface="나눔고딕" panose="020D0604000000000000" pitchFamily="50" charset="-127"/>
-              </a:rPr>
-              <a:t>. </a:t>
-            </a:r>
-            <a:r>
-              <a:rPr lang="ko-KR" altLang="en-US" sz="2100" spc="-1" dirty="0">
-                <a:solidFill>
-                  <a:srgbClr val="745EA8"/>
-                </a:solidFill>
-                <a:latin typeface="나눔고딕" panose="020D0604000000000000" pitchFamily="50" charset="-127"/>
-                <a:ea typeface="나눔고딕" panose="020D0604000000000000" pitchFamily="50" charset="-127"/>
-              </a:rPr>
-              <a:t>처음 앱 실행 시에는 비어 있음</a:t>
-            </a:r>
-            <a:r>
-              <a:rPr lang="en-US" altLang="ko-KR" sz="2100" spc="-1" dirty="0">
-                <a:solidFill>
-                  <a:srgbClr val="745EA8"/>
-                </a:solidFill>
-                <a:latin typeface="나눔고딕" panose="020D0604000000000000" pitchFamily="50" charset="-127"/>
-                <a:ea typeface="나눔고딕" panose="020D0604000000000000" pitchFamily="50" charset="-127"/>
-              </a:rPr>
-              <a:t>.</a:t>
+              <a:t>TSP</a:t>
             </a:r>
           </a:p>
           <a:p>
@@ -6881,7 +6782,7 @@
                 <a:latin typeface="나눔고딕" panose="020D0604000000000000" pitchFamily="50" charset="-127"/>
                 <a:ea typeface="나눔고딕" panose="020D0604000000000000" pitchFamily="50" charset="-127"/>
               </a:rPr>
-              <a:t> DB</a:t>
+              <a:t> TSP </a:t>
             </a:r>
             <a:r>
               <a:rPr lang="ko-KR" altLang="en-US" sz="2100" spc="-1" dirty="0">
@@ -6891,7 +6792,7 @@
                 <a:latin typeface="나눔고딕" panose="020D0604000000000000" pitchFamily="50" charset="-127"/>
                 <a:ea typeface="나눔고딕" panose="020D0604000000000000" pitchFamily="50" charset="-127"/>
               </a:rPr>
-              <a:t>에서 받아온 데이터를 </a:t>
+              <a:t>결과를</a:t>
             </a:r>
             <a:r>
               <a:rPr lang="en-US" altLang="ko-KR" sz="2100" spc="-1" dirty="0">
@@ -6901,7 +6802,7 @@
                 <a:latin typeface="나눔고딕" panose="020D0604000000000000" pitchFamily="50" charset="-127"/>
                 <a:ea typeface="나눔고딕" panose="020D0604000000000000" pitchFamily="50" charset="-127"/>
               </a:rPr>
-              <a:t>Application class</a:t>
+              <a:t> GUI</a:t>
             </a:r>
             <a:r>
               <a:rPr lang="ko-KR" altLang="en-US" sz="2100" spc="-1" dirty="0">
@@ -6911,7 +6812,7 @@
                 <a:latin typeface="나눔고딕" panose="020D0604000000000000" pitchFamily="50" charset="-127"/>
                 <a:ea typeface="나눔고딕" panose="020D0604000000000000" pitchFamily="50" charset="-127"/>
               </a:rPr>
-              <a:t>에 저장 </a:t>
+              <a:t>에</a:t>
             </a:r>
             <a:r>
               <a:rPr lang="en-US" altLang="ko-KR" sz="2100" spc="-1" dirty="0">
@@ -6921,7 +6822,7 @@
                 <a:latin typeface="나눔고딕" panose="020D0604000000000000" pitchFamily="50" charset="-127"/>
                 <a:ea typeface="나눔고딕" panose="020D0604000000000000" pitchFamily="50" charset="-127"/>
               </a:rPr>
-              <a:t>(</a:t>
+              <a:t> </a:t>
             </a:r>
             <a:r>
               <a:rPr lang="ko-KR" altLang="en-US" sz="2100" spc="-1" dirty="0">
@@ -6931,18 +6832,15 @@
                 <a:latin typeface="나눔고딕" panose="020D0604000000000000" pitchFamily="50" charset="-127"/>
                 <a:ea typeface="나눔고딕" panose="020D0604000000000000" pitchFamily="50" charset="-127"/>
               </a:rPr>
-              <a:t>비동기식</a:t>
-            </a:r>
-            <a:r>
-              <a:rPr lang="en-US" altLang="ko-KR" sz="2100" spc="-1" dirty="0">
-                <a:solidFill>
-                  <a:srgbClr val="745EA8"/>
-                </a:solidFill>
-                <a:latin typeface="나눔고딕" panose="020D0604000000000000" pitchFamily="50" charset="-127"/>
-                <a:ea typeface="나눔고딕" panose="020D0604000000000000" pitchFamily="50" charset="-127"/>
-              </a:rPr>
-              <a:t>)</a:t>
-            </a:r>
+              <a:t>적용</a:t>
+            </a:r>
+            <a:endParaRPr lang="en-US" altLang="ko-KR" sz="2100" spc="-1" dirty="0">
+              <a:solidFill>
+                <a:srgbClr val="745EA8"/>
+              </a:solidFill>
+              <a:latin typeface="나눔고딕" panose="020D0604000000000000" pitchFamily="50" charset="-127"/>
+              <a:ea typeface="나눔고딕" panose="020D0604000000000000" pitchFamily="50" charset="-127"/>
+            </a:endParaRPr>
           </a:p>
           <a:p>
             <a:pPr marL="285750" indent="-285750">
@@ -6953,64 +6851,74 @@
               <a:buChar char="-"/>
             </a:pPr>
             <a:r>
-              <a:rPr lang="en-US" altLang="ko-KR" sz="2100" spc="-1" dirty="0">
+              <a:rPr lang="ko-KR" altLang="en-US" sz="2100" spc="-1" dirty="0">
                 <a:solidFill>
                   <a:srgbClr val="745EA8"/>
                 </a:solidFill>
                 <a:latin typeface="나눔고딕" panose="020D0604000000000000" pitchFamily="50" charset="-127"/>
                 <a:ea typeface="나눔고딕" panose="020D0604000000000000" pitchFamily="50" charset="-127"/>
               </a:rPr>
-              <a:t> Application class</a:t>
-            </a:r>
-            <a:r>
-              <a:rPr lang="ko-KR" altLang="en-US" sz="2100" spc="-1" dirty="0">
+              <a:t> 장애물</a:t>
+            </a:r>
+            <a:r>
+              <a:rPr lang="en-US" altLang="ko-KR" sz="2100" spc="-1" dirty="0">
                 <a:solidFill>
                   <a:srgbClr val="745EA8"/>
                 </a:solidFill>
                 <a:latin typeface="나눔고딕" panose="020D0604000000000000" pitchFamily="50" charset="-127"/>
                 <a:ea typeface="나눔고딕" panose="020D0604000000000000" pitchFamily="50" charset="-127"/>
               </a:rPr>
-              <a:t>에 저장된 </a:t>
-            </a:r>
-            <a:r>
-              <a:rPr lang="en-US" altLang="ko-KR" sz="2100" spc="-1" dirty="0">
+              <a:t>, </a:t>
+            </a:r>
+            <a:r>
+              <a:rPr lang="ko-KR" altLang="en-US" sz="2100" spc="-1" dirty="0">
                 <a:solidFill>
                   <a:srgbClr val="745EA8"/>
                 </a:solidFill>
                 <a:latin typeface="나눔고딕" panose="020D0604000000000000" pitchFamily="50" charset="-127"/>
                 <a:ea typeface="나눔고딕" panose="020D0604000000000000" pitchFamily="50" charset="-127"/>
               </a:rPr>
-              <a:t>value</a:t>
-            </a:r>
-            <a:r>
-              <a:rPr lang="ko-KR" altLang="en-US" sz="2100" spc="-1" dirty="0">
+              <a:t>다른 판매 품목을 고려하여 </a:t>
+            </a:r>
+            <a:r>
+              <a:rPr lang="en-US" altLang="ko-KR" sz="2100" spc="-1" dirty="0" err="1">
                 <a:solidFill>
                   <a:srgbClr val="745EA8"/>
                 </a:solidFill>
                 <a:latin typeface="나눔고딕" panose="020D0604000000000000" pitchFamily="50" charset="-127"/>
                 <a:ea typeface="나눔고딕" panose="020D0604000000000000" pitchFamily="50" charset="-127"/>
               </a:rPr>
-              <a:t>를 </a:t>
-            </a:r>
-            <a:r>
-              <a:rPr lang="en-US" altLang="ko-KR" sz="2100" spc="-1" dirty="0">
+              <a:t>PathFinding</a:t>
+            </a:r>
+            <a:r>
+              <a:rPr lang="ko-KR" altLang="en-US" sz="2100" spc="-1" dirty="0">
                 <a:solidFill>
                   <a:srgbClr val="745EA8"/>
                 </a:solidFill>
                 <a:latin typeface="나눔고딕" panose="020D0604000000000000" pitchFamily="50" charset="-127"/>
                 <a:ea typeface="나눔고딕" panose="020D0604000000000000" pitchFamily="50" charset="-127"/>
               </a:rPr>
-              <a:t>UI</a:t>
-            </a:r>
-            <a:r>
-              <a:rPr lang="ko-KR" altLang="en-US" sz="2100" spc="-1" dirty="0">
+              <a:t>을 적용하기 전 </a:t>
+            </a:r>
+            <a:r>
+              <a:rPr lang="en-US" altLang="ko-KR" sz="2100" spc="-1" dirty="0">
                 <a:solidFill>
                   <a:srgbClr val="745EA8"/>
                 </a:solidFill>
                 <a:latin typeface="나눔고딕" panose="020D0604000000000000" pitchFamily="50" charset="-127"/>
                 <a:ea typeface="나눔고딕" panose="020D0604000000000000" pitchFamily="50" charset="-127"/>
               </a:rPr>
-              <a:t> 표시</a:t>
+              <a:t>GUI </a:t>
+            </a:r>
+            <a:r>
+              <a:rPr lang="ko-KR" altLang="en-US" sz="2100" spc="-1" dirty="0">
+                <a:solidFill>
+                  <a:srgbClr val="745EA8"/>
+                </a:solidFill>
+                <a:latin typeface="나눔고딕" panose="020D0604000000000000" pitchFamily="50" charset="-127"/>
+                <a:ea typeface="나눔고딕" panose="020D0604000000000000" pitchFamily="50" charset="-127"/>
+              </a:rPr>
+              <a:t>모습</a:t>
             </a:r>
             <a:endParaRPr lang="en-US" altLang="ko-KR" sz="2100" spc="-1" dirty="0">
               <a:solidFill>
@@ -7020,83 +6928,14 @@
               <a:ea typeface="나눔고딕" panose="020D0604000000000000" pitchFamily="50" charset="-127"/>
             </a:endParaRPr>
           </a:p>
-          <a:p>
-            <a:pPr marL="285750" indent="-285750">
-              <a:lnSpc>
-                <a:spcPct val="150000"/>
-              </a:lnSpc>
-              <a:buFontTx/>
-              <a:buChar char="-"/>
-            </a:pPr>
-            <a:r>
-              <a:rPr lang="en-US" altLang="ko-KR" sz="2100" spc="-1" dirty="0">
-                <a:solidFill>
-                  <a:srgbClr val="745EA8"/>
-                </a:solidFill>
-                <a:latin typeface="나눔고딕" panose="020D0604000000000000" pitchFamily="50" charset="-127"/>
-                <a:ea typeface="나눔고딕" panose="020D0604000000000000" pitchFamily="50" charset="-127"/>
-              </a:rPr>
-              <a:t> ※ </a:t>
-            </a:r>
-            <a:r>
-              <a:rPr lang="ko-KR" altLang="en-US" sz="2100" spc="-1" dirty="0" err="1">
-                <a:solidFill>
-                  <a:srgbClr val="745EA8"/>
-                </a:solidFill>
-                <a:latin typeface="나눔고딕" panose="020D0604000000000000" pitchFamily="50" charset="-127"/>
-                <a:ea typeface="나눔고딕" panose="020D0604000000000000" pitchFamily="50" charset="-127"/>
-              </a:rPr>
-              <a:t>비동기식이므로</a:t>
-            </a:r>
-            <a:r>
-              <a:rPr lang="ko-KR" altLang="en-US" sz="2100" spc="-1" dirty="0">
-                <a:solidFill>
-                  <a:srgbClr val="745EA8"/>
-                </a:solidFill>
-                <a:latin typeface="나눔고딕" panose="020D0604000000000000" pitchFamily="50" charset="-127"/>
-                <a:ea typeface="나눔고딕" panose="020D0604000000000000" pitchFamily="50" charset="-127"/>
-              </a:rPr>
-              <a:t> 순서대로 실행 안됨</a:t>
-            </a:r>
-            <a:r>
-              <a:rPr lang="en-US" altLang="ko-KR" sz="2100" spc="-1" dirty="0">
-                <a:solidFill>
-                  <a:srgbClr val="745EA8"/>
-                </a:solidFill>
-                <a:latin typeface="나눔고딕" panose="020D0604000000000000" pitchFamily="50" charset="-127"/>
-                <a:ea typeface="나눔고딕" panose="020D0604000000000000" pitchFamily="50" charset="-127"/>
-              </a:rPr>
-              <a:t>. UI</a:t>
-            </a:r>
-            <a:r>
-              <a:rPr lang="ko-KR" altLang="en-US" sz="2100" spc="-1" dirty="0">
-                <a:solidFill>
-                  <a:srgbClr val="745EA8"/>
-                </a:solidFill>
-                <a:latin typeface="나눔고딕" panose="020D0604000000000000" pitchFamily="50" charset="-127"/>
-                <a:ea typeface="나눔고딕" panose="020D0604000000000000" pitchFamily="50" charset="-127"/>
-              </a:rPr>
-              <a:t>에 표시하려는 값 비어 있음</a:t>
-            </a:r>
-            <a:r>
-              <a:rPr lang="en-US" altLang="ko-KR" sz="2100" spc="-1" dirty="0">
-                <a:solidFill>
-                  <a:srgbClr val="745EA8"/>
-                </a:solidFill>
-                <a:latin typeface="나눔고딕" panose="020D0604000000000000" pitchFamily="50" charset="-127"/>
-                <a:ea typeface="나눔고딕" panose="020D0604000000000000" pitchFamily="50" charset="-127"/>
-              </a:rPr>
-              <a:t>.</a:t>
-            </a:r>
-          </a:p>
         </p:txBody>
       </p:sp>
       <p:pic>
         <p:nvPicPr>
-          <p:cNvPr id="4" name="그림 3">
+          <p:cNvPr id="3" name="그림 2">
             <a:extLst>
               <a:ext uri="{FF2B5EF4-FFF2-40B4-BE49-F238E27FC236}">
-                <a16:creationId xmlns:a16="http://schemas.microsoft.com/office/drawing/2014/main" id="{78B89C18-E86F-48C4-B4C5-2AD114A6DFF7}"/>
+                <a16:creationId xmlns:a16="http://schemas.microsoft.com/office/drawing/2014/main" id="{7241B8C0-4385-4840-A018-EB3D64A101D6}"/>
               </a:ext>
             </a:extLst>
           </p:cNvPr>
@@ -7119,8 +6958,44 @@
         </p:blipFill>
         <p:spPr>
           <a:xfrm>
-            <a:off x="1256452" y="1411303"/>
-            <a:ext cx="2883545" cy="5871064"/>
+            <a:off x="3561407" y="1690197"/>
+            <a:ext cx="2825360" cy="5801223"/>
+          </a:xfrm>
+          <a:prstGeom prst="rect">
+            <a:avLst/>
+          </a:prstGeom>
+        </p:spPr>
+      </p:pic>
+      <p:pic>
+        <p:nvPicPr>
+          <p:cNvPr id="6" name="그림 5">
+            <a:extLst>
+              <a:ext uri="{FF2B5EF4-FFF2-40B4-BE49-F238E27FC236}">
+                <a16:creationId xmlns:a16="http://schemas.microsoft.com/office/drawing/2014/main" id="{D199A8E2-8412-488F-99D1-7006D59AA1CA}"/>
+              </a:ext>
+            </a:extLst>
+          </p:cNvPr>
+          <p:cNvPicPr>
+            <a:picLocks noChangeAspect="1"/>
+          </p:cNvPicPr>
+          <p:nvPr/>
+        </p:nvPicPr>
+        <p:blipFill>
+          <a:blip r:embed="rId3">
+            <a:extLst>
+              <a:ext uri="{28A0092B-C50C-407E-A947-70E740481C1C}">
+                <a14:useLocalDpi xmlns:a14="http://schemas.microsoft.com/office/drawing/2010/main" val="0"/>
+              </a:ext>
+            </a:extLst>
+          </a:blip>
+          <a:stretch>
+            <a:fillRect/>
+          </a:stretch>
+        </p:blipFill>
+        <p:spPr>
+          <a:xfrm>
+            <a:off x="470880" y="1690197"/>
+            <a:ext cx="2866406" cy="5801223"/>
           </a:xfrm>
           <a:prstGeom prst="rect">
             <a:avLst/>
@@ -7128,6 +7003,11 @@
         </p:spPr>
       </p:pic>
     </p:spTree>
+    <p:extLst>
+      <p:ext uri="{BB962C8B-B14F-4D97-AF65-F5344CB8AC3E}">
+        <p14:creationId xmlns:p14="http://schemas.microsoft.com/office/powerpoint/2010/main" val="796760375"/>
+      </p:ext>
+    </p:extLst>
   </p:cSld>
   <p:clrMapOvr>
     <a:masterClrMapping/>
@@ -7305,16 +7185,6 @@
                 <a:spcPts val="2401"/>
               </a:lnSpc>
             </a:pPr>
-            <a:endParaRPr lang="en-US" sz="2800" b="0" strike="noStrike" spc="-1" dirty="0">
-              <a:latin typeface="Times New Roman"/>
-            </a:endParaRPr>
-          </a:p>
-          <a:p>
-            <a:pPr>
-              <a:lnSpc>
-                <a:spcPts val="2401"/>
-              </a:lnSpc>
-            </a:pPr>
             <a:r>
               <a:rPr lang="en-US" sz="2800" spc="-1" dirty="0">
                 <a:solidFill>
@@ -7322,7 +7192,16 @@
                 </a:solidFill>
                 <a:latin typeface="나눔명조"/>
               </a:rPr>
-              <a:t> Troubleshooting</a:t>
+              <a:t> </a:t>
+            </a:r>
+            <a:r>
+              <a:rPr lang="ko-KR" altLang="en-US" sz="2800" spc="-1" dirty="0">
+                <a:solidFill>
+                  <a:srgbClr val="00AAAE"/>
+                </a:solidFill>
+                <a:latin typeface="나눔명조"/>
+              </a:rPr>
+              <a:t>최적 경로 제안</a:t>
             </a:r>
             <a:endParaRPr lang="en-US" sz="2800" b="0" strike="noStrike" spc="-1" dirty="0">
               <a:latin typeface="Times New Roman"/>
@@ -7538,8 +7417,8 @@
         </p:nvSpPr>
         <p:spPr>
           <a:xfrm>
-            <a:off x="4319998" y="1690199"/>
-            <a:ext cx="5755681" cy="5313273"/>
+            <a:off x="4319999" y="1690199"/>
+            <a:ext cx="5489020" cy="5313273"/>
           </a:xfrm>
           <a:prstGeom prst="rect">
             <a:avLst/>
@@ -7573,22 +7452,35 @@
               <a:buChar char="-"/>
             </a:pPr>
             <a:r>
-              <a:rPr lang="ko-KR" altLang="en-US" sz="2100" spc="-1" dirty="0">
+              <a:rPr lang="en-US" altLang="ko-KR" sz="2100" spc="-1" dirty="0">
                 <a:solidFill>
                   <a:srgbClr val="745EA8"/>
                 </a:solidFill>
                 <a:latin typeface="나눔고딕" panose="020D0604000000000000" pitchFamily="50" charset="-127"/>
                 <a:ea typeface="나눔고딕" panose="020D0604000000000000" pitchFamily="50" charset="-127"/>
               </a:rPr>
-              <a:t> 비동기식 → 동기식으로 전환</a:t>
-            </a:r>
-            <a:endParaRPr lang="en-US" altLang="ko-KR" sz="2100" spc="-1" dirty="0">
-              <a:solidFill>
-                <a:srgbClr val="745EA8"/>
-              </a:solidFill>
-              <a:latin typeface="나눔고딕" panose="020D0604000000000000" pitchFamily="50" charset="-127"/>
-              <a:ea typeface="나눔고딕" panose="020D0604000000000000" pitchFamily="50" charset="-127"/>
-            </a:endParaRPr>
+              <a:t> A* </a:t>
+            </a:r>
+            <a:r>
+              <a:rPr lang="ko-KR" altLang="en-US" sz="2100" spc="-1" dirty="0">
+                <a:solidFill>
+                  <a:srgbClr val="745EA8"/>
+                </a:solidFill>
+                <a:latin typeface="나눔고딕" panose="020D0604000000000000" pitchFamily="50" charset="-127"/>
+                <a:ea typeface="나눔고딕" panose="020D0604000000000000" pitchFamily="50" charset="-127"/>
+              </a:rPr>
+              <a:t>알고리즘을 통해 </a:t>
+            </a:r>
+            <a:r>
+              <a:rPr lang="en-US" altLang="ko-KR" sz="2100" spc="-1" dirty="0">
+                <a:solidFill>
+                  <a:srgbClr val="745EA8"/>
+                </a:solidFill>
+                <a:latin typeface="나눔고딕" panose="020D0604000000000000" pitchFamily="50" charset="-127"/>
+                <a:ea typeface="나눔고딕" panose="020D0604000000000000" pitchFamily="50" charset="-127"/>
+              </a:rPr>
+              <a:t>Pathfinding</a:t>
+            </a:r>
           </a:p>
           <a:p>
             <a:pPr marL="285750" indent="-285750">
@@ -7599,65 +7491,22 @@
               <a:buChar char="-"/>
             </a:pPr>
             <a:r>
-              <a:rPr lang="en-US" altLang="ko-KR" sz="2100" spc="-1" dirty="0">
+              <a:rPr lang="ko-KR" altLang="en-US" sz="2100" spc="-1" dirty="0">
                 <a:solidFill>
                   <a:srgbClr val="745EA8"/>
                 </a:solidFill>
                 <a:latin typeface="나눔고딕" panose="020D0604000000000000" pitchFamily="50" charset="-127"/>
                 <a:ea typeface="나눔고딕" panose="020D0604000000000000" pitchFamily="50" charset="-127"/>
               </a:rPr>
-              <a:t> ※ Android </a:t>
-            </a:r>
-            <a:r>
-              <a:rPr lang="ko-KR" altLang="en-US" sz="2100" spc="-1" dirty="0">
-                <a:solidFill>
-                  <a:srgbClr val="745EA8"/>
-                </a:solidFill>
-                <a:latin typeface="나눔고딕" panose="020D0604000000000000" pitchFamily="50" charset="-127"/>
-                <a:ea typeface="나눔고딕" panose="020D0604000000000000" pitchFamily="50" charset="-127"/>
-              </a:rPr>
-              <a:t>에서는 </a:t>
-            </a:r>
-            <a:r>
-              <a:rPr lang="en-US" altLang="ko-KR" sz="2100" spc="-1" dirty="0" err="1">
-                <a:solidFill>
-                  <a:srgbClr val="745EA8"/>
-                </a:solidFill>
-                <a:latin typeface="나눔고딕" panose="020D0604000000000000" pitchFamily="50" charset="-127"/>
-                <a:ea typeface="나눔고딕" panose="020D0604000000000000" pitchFamily="50" charset="-127"/>
-              </a:rPr>
-              <a:t>MainThread</a:t>
-            </a:r>
-            <a:r>
-              <a:rPr lang="en-US" altLang="ko-KR" sz="2100" spc="-1" dirty="0">
-                <a:solidFill>
-                  <a:srgbClr val="745EA8"/>
-                </a:solidFill>
-                <a:latin typeface="나눔고딕" panose="020D0604000000000000" pitchFamily="50" charset="-127"/>
-                <a:ea typeface="나눔고딕" panose="020D0604000000000000" pitchFamily="50" charset="-127"/>
-              </a:rPr>
-              <a:t> (UI Thread) </a:t>
-            </a:r>
-            <a:r>
-              <a:rPr lang="ko-KR" altLang="en-US" sz="2100" spc="-1" dirty="0">
-                <a:solidFill>
-                  <a:srgbClr val="745EA8"/>
-                </a:solidFill>
-                <a:latin typeface="나눔고딕" panose="020D0604000000000000" pitchFamily="50" charset="-127"/>
-                <a:ea typeface="나눔고딕" panose="020D0604000000000000" pitchFamily="50" charset="-127"/>
-              </a:rPr>
-              <a:t>에서 네트워크 통신을 할 수 없도록 되어있음</a:t>
-            </a:r>
-            <a:r>
-              <a:rPr lang="en-US" altLang="ko-KR" sz="2100" spc="-1" dirty="0">
-                <a:solidFill>
-                  <a:srgbClr val="745EA8"/>
-                </a:solidFill>
-                <a:latin typeface="나눔고딕" panose="020D0604000000000000" pitchFamily="50" charset="-127"/>
-                <a:ea typeface="나눔고딕" panose="020D0604000000000000" pitchFamily="50" charset="-127"/>
-              </a:rPr>
-              <a:t>.</a:t>
-            </a:r>
+              <a:t> 장애물을 고려하여 경로를 표시해 줌</a:t>
+            </a:r>
+            <a:endParaRPr lang="en-US" altLang="ko-KR" sz="2100" spc="-1" dirty="0">
+              <a:solidFill>
+                <a:srgbClr val="745EA8"/>
+              </a:solidFill>
+              <a:latin typeface="나눔고딕" panose="020D0604000000000000" pitchFamily="50" charset="-127"/>
+              <a:ea typeface="나눔고딕" panose="020D0604000000000000" pitchFamily="50" charset="-127"/>
+            </a:endParaRPr>
           </a:p>
           <a:p>
             <a:pPr marL="285750" indent="-285750">
@@ -7675,7 +7524,7 @@
                 <a:latin typeface="나눔고딕" panose="020D0604000000000000" pitchFamily="50" charset="-127"/>
                 <a:ea typeface="나눔고딕" panose="020D0604000000000000" pitchFamily="50" charset="-127"/>
               </a:rPr>
-              <a:t>다른 </a:t>
+              <a:t> 경로는 표시되나 구매하고자 하는 품목의 세부 위치는 현재 알 수 없으므로 추가 예정 </a:t>
             </a:r>
             <a:r>
               <a:rPr lang="en-US" altLang="ko-KR" sz="2100" spc="-1" dirty="0">
@@ -7685,17 +7534,17 @@
                 <a:latin typeface="나눔고딕" panose="020D0604000000000000" pitchFamily="50" charset="-127"/>
                 <a:ea typeface="나눔고딕" panose="020D0604000000000000" pitchFamily="50" charset="-127"/>
               </a:rPr>
-              <a:t>Thread </a:t>
-            </a:r>
-            <a:r>
-              <a:rPr lang="ko-KR" altLang="en-US" sz="2100" spc="-1" dirty="0">
+              <a:t>(</a:t>
+            </a:r>
+            <a:r>
+              <a:rPr lang="en-US" altLang="ko-KR" sz="2100" spc="-1" dirty="0" err="1">
                 <a:solidFill>
                   <a:srgbClr val="745EA8"/>
                 </a:solidFill>
                 <a:latin typeface="나눔고딕" panose="020D0604000000000000" pitchFamily="50" charset="-127"/>
                 <a:ea typeface="나눔고딕" panose="020D0604000000000000" pitchFamily="50" charset="-127"/>
               </a:rPr>
-              <a:t>생성하여 작업</a:t>
+              <a:t>OnClick</a:t>
             </a:r>
             <a:r>
               <a:rPr lang="en-US" altLang="ko-KR" sz="2100" spc="-1" dirty="0">
@@ -7705,17 +7554,17 @@
                 <a:latin typeface="나눔고딕" panose="020D0604000000000000" pitchFamily="50" charset="-127"/>
                 <a:ea typeface="나눔고딕" panose="020D0604000000000000" pitchFamily="50" charset="-127"/>
               </a:rPr>
-              <a:t>, </a:t>
-            </a:r>
-            <a:r>
-              <a:rPr lang="ko-KR" altLang="en-US" sz="2100" spc="-1" dirty="0">
+              <a:t> or </a:t>
+            </a:r>
+            <a:r>
+              <a:rPr lang="en-US" altLang="ko-KR" sz="2100" spc="-1" dirty="0" err="1">
                 <a:solidFill>
                   <a:srgbClr val="745EA8"/>
                 </a:solidFill>
                 <a:latin typeface="나눔고딕" panose="020D0604000000000000" pitchFamily="50" charset="-127"/>
                 <a:ea typeface="나눔고딕" panose="020D0604000000000000" pitchFamily="50" charset="-127"/>
               </a:rPr>
-              <a:t>해결함</a:t>
+              <a:t>LongClick</a:t>
             </a:r>
             <a:r>
               <a:rPr lang="en-US" altLang="ko-KR" sz="2100" spc="-1" dirty="0">
@@ -7725,17 +7574,17 @@
                 <a:latin typeface="나눔고딕" panose="020D0604000000000000" pitchFamily="50" charset="-127"/>
                 <a:ea typeface="나눔고딕" panose="020D0604000000000000" pitchFamily="50" charset="-127"/>
               </a:rPr>
-              <a:t>.</a:t>
+              <a:t> event)</a:t>
             </a:r>
           </a:p>
         </p:txBody>
       </p:sp>
       <p:pic>
         <p:nvPicPr>
-          <p:cNvPr id="3" name="그림 2">
+          <p:cNvPr id="12" name="그림 11">
             <a:extLst>
               <a:ext uri="{FF2B5EF4-FFF2-40B4-BE49-F238E27FC236}">
-                <a16:creationId xmlns:a16="http://schemas.microsoft.com/office/drawing/2014/main" id="{26D01E7E-1FF2-4B54-A6B0-EB5CDD7F197B}"/>
+                <a16:creationId xmlns:a16="http://schemas.microsoft.com/office/drawing/2014/main" id="{F8AF292D-94AE-49F5-A026-CEE71DF043A6}"/>
               </a:ext>
             </a:extLst>
           </p:cNvPr>
@@ -7758,8 +7607,44 @@
         </p:blipFill>
         <p:spPr>
           <a:xfrm>
-            <a:off x="1390978" y="4471614"/>
-            <a:ext cx="8656262" cy="1187924"/>
+            <a:off x="1345297" y="1690199"/>
+            <a:ext cx="2794700" cy="5801223"/>
+          </a:xfrm>
+          <a:prstGeom prst="rect">
+            <a:avLst/>
+          </a:prstGeom>
+        </p:spPr>
+      </p:pic>
+      <p:pic>
+        <p:nvPicPr>
+          <p:cNvPr id="6" name="그림 5">
+            <a:extLst>
+              <a:ext uri="{FF2B5EF4-FFF2-40B4-BE49-F238E27FC236}">
+                <a16:creationId xmlns:a16="http://schemas.microsoft.com/office/drawing/2014/main" id="{5A6A8414-B3A7-4538-9B94-654409617557}"/>
+              </a:ext>
+            </a:extLst>
+          </p:cNvPr>
+          <p:cNvPicPr>
+            <a:picLocks noChangeAspect="1"/>
+          </p:cNvPicPr>
+          <p:nvPr/>
+        </p:nvPicPr>
+        <p:blipFill>
+          <a:blip r:embed="rId3">
+            <a:extLst>
+              <a:ext uri="{28A0092B-C50C-407E-A947-70E740481C1C}">
+                <a14:useLocalDpi xmlns:a14="http://schemas.microsoft.com/office/drawing/2010/main" val="0"/>
+              </a:ext>
+            </a:extLst>
+          </a:blip>
+          <a:stretch>
+            <a:fillRect/>
+          </a:stretch>
+        </p:blipFill>
+        <p:spPr>
+          <a:xfrm>
+            <a:off x="5018552" y="4225141"/>
+            <a:ext cx="4358576" cy="3266281"/>
           </a:xfrm>
           <a:prstGeom prst="rect">
             <a:avLst/>
@@ -7769,7 +7654,7 @@
     </p:spTree>
     <p:extLst>
       <p:ext uri="{BB962C8B-B14F-4D97-AF65-F5344CB8AC3E}">
-        <p14:creationId xmlns:p14="http://schemas.microsoft.com/office/powerpoint/2010/main" val="1356492625"/>
+        <p14:creationId xmlns:p14="http://schemas.microsoft.com/office/powerpoint/2010/main" val="1550925008"/>
       </p:ext>
     </p:extLst>
   </p:cSld>
@@ -7949,16 +7834,6 @@
                 <a:spcPts val="2401"/>
               </a:lnSpc>
             </a:pPr>
-            <a:endParaRPr lang="en-US" sz="2800" b="0" strike="noStrike" spc="-1" dirty="0">
-              <a:latin typeface="Times New Roman"/>
-            </a:endParaRPr>
-          </a:p>
-          <a:p>
-            <a:pPr>
-              <a:lnSpc>
-                <a:spcPts val="2401"/>
-              </a:lnSpc>
-            </a:pPr>
             <a:r>
               <a:rPr lang="en-US" sz="2800" spc="-1" dirty="0">
                 <a:solidFill>
@@ -7966,34 +7841,7 @@
                 </a:solidFill>
                 <a:latin typeface="나눔명조"/>
               </a:rPr>
-              <a:t> </a:t>
-            </a:r>
-            <a:r>
-              <a:rPr lang="ko-KR" altLang="en-US" sz="2800" spc="-1" dirty="0">
-                <a:solidFill>
-                  <a:srgbClr val="00AAAE"/>
-                </a:solidFill>
-                <a:latin typeface="나눔명조"/>
-              </a:rPr>
-              <a:t>다른 해결</a:t>
-            </a:r>
-            <a:r>
-              <a:rPr lang="en-US" altLang="ko-KR" sz="2800" spc="-1" dirty="0">
-                <a:solidFill>
-                  <a:srgbClr val="00AAAE"/>
-                </a:solidFill>
-                <a:latin typeface="나눔명조"/>
-              </a:rPr>
-              <a:t> </a:t>
-            </a:r>
-            <a:r>
-              <a:rPr lang="ko-KR" altLang="en-US" sz="2800" spc="-1" dirty="0">
-                <a:solidFill>
-                  <a:srgbClr val="00AAAE"/>
-                </a:solidFill>
-                <a:latin typeface="나눔명조"/>
-              </a:rPr>
-              <a:t>방안</a:t>
+              <a:t> Troubleshooting</a:t>
             </a:r>
             <a:endParaRPr lang="en-US" sz="2800" b="0" strike="noStrike" spc="-1" dirty="0">
               <a:latin typeface="Times New Roman"/>
@@ -8194,6 +8042,1483 @@
                 <a:ea typeface="DejaVu Sans"/>
               </a:rPr>
               <a:t>3</a:t>
+            </a:fld>
+            <a:endParaRPr lang="en-US" sz="3600" b="0" strike="noStrike" spc="-1">
+              <a:latin typeface="Times New Roman"/>
+            </a:endParaRPr>
+          </a:p>
+        </p:txBody>
+      </p:sp>
+      <p:sp>
+        <p:nvSpPr>
+          <p:cNvPr id="193" name="CustomShape 7"/>
+          <p:cNvSpPr/>
+          <p:nvPr/>
+        </p:nvSpPr>
+        <p:spPr>
+          <a:xfrm>
+            <a:off x="4319998" y="1690199"/>
+            <a:ext cx="5755681" cy="5313273"/>
+          </a:xfrm>
+          <a:prstGeom prst="rect">
+            <a:avLst/>
+          </a:prstGeom>
+          <a:noFill/>
+          <a:ln>
+            <a:noFill/>
+          </a:ln>
+        </p:spPr>
+        <p:style>
+          <a:lnRef idx="0">
+            <a:scrgbClr r="0" g="0" b="0"/>
+          </a:lnRef>
+          <a:fillRef idx="0">
+            <a:scrgbClr r="0" g="0" b="0"/>
+          </a:fillRef>
+          <a:effectRef idx="0">
+            <a:scrgbClr r="0" g="0" b="0"/>
+          </a:effectRef>
+          <a:fontRef idx="minor"/>
+        </p:style>
+        <p:txBody>
+          <a:bodyPr lIns="0" tIns="0" rIns="0" bIns="0" anchor="t"/>
+          <a:lstStyle/>
+          <a:p>
+            <a:pPr marL="285750" indent="-285750">
+              <a:lnSpc>
+                <a:spcPct val="150000"/>
+              </a:lnSpc>
+              <a:buFontTx/>
+              <a:buChar char="-"/>
+            </a:pPr>
+            <a:r>
+              <a:rPr lang="en-US" altLang="ko-KR" sz="2100" spc="-1" dirty="0">
+                <a:solidFill>
+                  <a:srgbClr val="745EA8"/>
+                </a:solidFill>
+                <a:latin typeface="나눔고딕" panose="020D0604000000000000" pitchFamily="50" charset="-127"/>
+                <a:ea typeface="나눔고딕" panose="020D0604000000000000" pitchFamily="50" charset="-127"/>
+              </a:rPr>
+              <a:t> Application class: </a:t>
+            </a:r>
+            <a:r>
+              <a:rPr lang="ko-KR" altLang="en-US" sz="2100" spc="-1" dirty="0">
+                <a:solidFill>
+                  <a:srgbClr val="745EA8"/>
+                </a:solidFill>
+                <a:latin typeface="나눔고딕" panose="020D0604000000000000" pitchFamily="50" charset="-127"/>
+                <a:ea typeface="나눔고딕" panose="020D0604000000000000" pitchFamily="50" charset="-127"/>
+              </a:rPr>
+              <a:t>전역 </a:t>
+            </a:r>
+            <a:r>
+              <a:rPr lang="en-US" altLang="ko-KR" sz="2100" spc="-1" dirty="0">
+                <a:solidFill>
+                  <a:srgbClr val="745EA8"/>
+                </a:solidFill>
+                <a:latin typeface="나눔고딕" panose="020D0604000000000000" pitchFamily="50" charset="-127"/>
+                <a:ea typeface="나눔고딕" panose="020D0604000000000000" pitchFamily="50" charset="-127"/>
+              </a:rPr>
+              <a:t>Class </a:t>
+            </a:r>
+            <a:r>
+              <a:rPr lang="ko-KR" altLang="en-US" sz="2100" spc="-1" dirty="0">
+                <a:solidFill>
+                  <a:srgbClr val="745EA8"/>
+                </a:solidFill>
+                <a:latin typeface="나눔고딕" panose="020D0604000000000000" pitchFamily="50" charset="-127"/>
+                <a:ea typeface="나눔고딕" panose="020D0604000000000000" pitchFamily="50" charset="-127"/>
+              </a:rPr>
+              <a:t>역할</a:t>
+            </a:r>
+            <a:r>
+              <a:rPr lang="en-US" altLang="ko-KR" sz="2100" spc="-1" dirty="0">
+                <a:solidFill>
+                  <a:srgbClr val="745EA8"/>
+                </a:solidFill>
+                <a:latin typeface="나눔고딕" panose="020D0604000000000000" pitchFamily="50" charset="-127"/>
+                <a:ea typeface="나눔고딕" panose="020D0604000000000000" pitchFamily="50" charset="-127"/>
+              </a:rPr>
+              <a:t>. Activity</a:t>
+            </a:r>
+            <a:r>
+              <a:rPr lang="ko-KR" altLang="en-US" sz="2100" spc="-1" dirty="0">
+                <a:solidFill>
+                  <a:srgbClr val="745EA8"/>
+                </a:solidFill>
+                <a:latin typeface="나눔고딕" panose="020D0604000000000000" pitchFamily="50" charset="-127"/>
+                <a:ea typeface="나눔고딕" panose="020D0604000000000000" pitchFamily="50" charset="-127"/>
+              </a:rPr>
+              <a:t>간</a:t>
+            </a:r>
+            <a:r>
+              <a:rPr lang="en-US" altLang="ko-KR" sz="2100" spc="-1" dirty="0">
+                <a:solidFill>
+                  <a:srgbClr val="745EA8"/>
+                </a:solidFill>
+                <a:latin typeface="나눔고딕" panose="020D0604000000000000" pitchFamily="50" charset="-127"/>
+                <a:ea typeface="나눔고딕" panose="020D0604000000000000" pitchFamily="50" charset="-127"/>
+              </a:rPr>
+              <a:t>data</a:t>
+            </a:r>
+            <a:r>
+              <a:rPr lang="ko-KR" altLang="en-US" sz="2100" spc="-1" dirty="0">
+                <a:solidFill>
+                  <a:srgbClr val="745EA8"/>
+                </a:solidFill>
+                <a:latin typeface="나눔고딕" panose="020D0604000000000000" pitchFamily="50" charset="-127"/>
+                <a:ea typeface="나눔고딕" panose="020D0604000000000000" pitchFamily="50" charset="-127"/>
+              </a:rPr>
+              <a:t>를 공유할 때 사용</a:t>
+            </a:r>
+            <a:r>
+              <a:rPr lang="en-US" altLang="ko-KR" sz="2100" spc="-1" dirty="0">
+                <a:solidFill>
+                  <a:srgbClr val="745EA8"/>
+                </a:solidFill>
+                <a:latin typeface="나눔고딕" panose="020D0604000000000000" pitchFamily="50" charset="-127"/>
+                <a:ea typeface="나눔고딕" panose="020D0604000000000000" pitchFamily="50" charset="-127"/>
+              </a:rPr>
+              <a:t>. </a:t>
+            </a:r>
+            <a:r>
+              <a:rPr lang="ko-KR" altLang="en-US" sz="2100" spc="-1" dirty="0">
+                <a:solidFill>
+                  <a:srgbClr val="745EA8"/>
+                </a:solidFill>
+                <a:latin typeface="나눔고딕" panose="020D0604000000000000" pitchFamily="50" charset="-127"/>
+                <a:ea typeface="나눔고딕" panose="020D0604000000000000" pitchFamily="50" charset="-127"/>
+              </a:rPr>
+              <a:t>처음 앱 실행 시에는 비어 있음</a:t>
+            </a:r>
+            <a:endParaRPr lang="en-US" altLang="ko-KR" sz="2100" spc="-1" dirty="0">
+              <a:solidFill>
+                <a:srgbClr val="745EA8"/>
+              </a:solidFill>
+              <a:latin typeface="나눔고딕" panose="020D0604000000000000" pitchFamily="50" charset="-127"/>
+              <a:ea typeface="나눔고딕" panose="020D0604000000000000" pitchFamily="50" charset="-127"/>
+            </a:endParaRPr>
+          </a:p>
+          <a:p>
+            <a:pPr marL="285750" indent="-285750">
+              <a:lnSpc>
+                <a:spcPct val="150000"/>
+              </a:lnSpc>
+              <a:buFontTx/>
+              <a:buChar char="-"/>
+            </a:pPr>
+            <a:r>
+              <a:rPr lang="en-US" altLang="ko-KR" sz="2100" spc="-1" dirty="0">
+                <a:solidFill>
+                  <a:srgbClr val="745EA8"/>
+                </a:solidFill>
+                <a:latin typeface="나눔고딕" panose="020D0604000000000000" pitchFamily="50" charset="-127"/>
+                <a:ea typeface="나눔고딕" panose="020D0604000000000000" pitchFamily="50" charset="-127"/>
+              </a:rPr>
+              <a:t> DB</a:t>
+            </a:r>
+            <a:r>
+              <a:rPr lang="ko-KR" altLang="en-US" sz="2100" spc="-1" dirty="0">
+                <a:solidFill>
+                  <a:srgbClr val="745EA8"/>
+                </a:solidFill>
+                <a:latin typeface="나눔고딕" panose="020D0604000000000000" pitchFamily="50" charset="-127"/>
+                <a:ea typeface="나눔고딕" panose="020D0604000000000000" pitchFamily="50" charset="-127"/>
+              </a:rPr>
+              <a:t>에서 받아온 데이터를 </a:t>
+            </a:r>
+            <a:r>
+              <a:rPr lang="en-US" altLang="ko-KR" sz="2100" spc="-1" dirty="0">
+                <a:solidFill>
+                  <a:srgbClr val="745EA8"/>
+                </a:solidFill>
+                <a:latin typeface="나눔고딕" panose="020D0604000000000000" pitchFamily="50" charset="-127"/>
+                <a:ea typeface="나눔고딕" panose="020D0604000000000000" pitchFamily="50" charset="-127"/>
+              </a:rPr>
+              <a:t>Application class</a:t>
+            </a:r>
+            <a:r>
+              <a:rPr lang="ko-KR" altLang="en-US" sz="2100" spc="-1" dirty="0">
+                <a:solidFill>
+                  <a:srgbClr val="745EA8"/>
+                </a:solidFill>
+                <a:latin typeface="나눔고딕" panose="020D0604000000000000" pitchFamily="50" charset="-127"/>
+                <a:ea typeface="나눔고딕" panose="020D0604000000000000" pitchFamily="50" charset="-127"/>
+              </a:rPr>
+              <a:t>에 저장 </a:t>
+            </a:r>
+            <a:r>
+              <a:rPr lang="en-US" altLang="ko-KR" sz="2100" spc="-1" dirty="0">
+                <a:solidFill>
+                  <a:srgbClr val="745EA8"/>
+                </a:solidFill>
+                <a:latin typeface="나눔고딕" panose="020D0604000000000000" pitchFamily="50" charset="-127"/>
+                <a:ea typeface="나눔고딕" panose="020D0604000000000000" pitchFamily="50" charset="-127"/>
+              </a:rPr>
+              <a:t>(</a:t>
+            </a:r>
+            <a:r>
+              <a:rPr lang="ko-KR" altLang="en-US" sz="2100" spc="-1" dirty="0">
+                <a:solidFill>
+                  <a:srgbClr val="745EA8"/>
+                </a:solidFill>
+                <a:latin typeface="나눔고딕" panose="020D0604000000000000" pitchFamily="50" charset="-127"/>
+                <a:ea typeface="나눔고딕" panose="020D0604000000000000" pitchFamily="50" charset="-127"/>
+              </a:rPr>
+              <a:t>비동기식</a:t>
+            </a:r>
+            <a:r>
+              <a:rPr lang="en-US" altLang="ko-KR" sz="2100" spc="-1" dirty="0">
+                <a:solidFill>
+                  <a:srgbClr val="745EA8"/>
+                </a:solidFill>
+                <a:latin typeface="나눔고딕" panose="020D0604000000000000" pitchFamily="50" charset="-127"/>
+                <a:ea typeface="나눔고딕" panose="020D0604000000000000" pitchFamily="50" charset="-127"/>
+              </a:rPr>
+              <a:t>)</a:t>
+            </a:r>
+          </a:p>
+          <a:p>
+            <a:pPr marL="285750" indent="-285750">
+              <a:lnSpc>
+                <a:spcPct val="150000"/>
+              </a:lnSpc>
+              <a:buFontTx/>
+              <a:buChar char="-"/>
+            </a:pPr>
+            <a:r>
+              <a:rPr lang="en-US" altLang="ko-KR" sz="2100" spc="-1" dirty="0">
+                <a:solidFill>
+                  <a:srgbClr val="745EA8"/>
+                </a:solidFill>
+                <a:latin typeface="나눔고딕" panose="020D0604000000000000" pitchFamily="50" charset="-127"/>
+                <a:ea typeface="나눔고딕" panose="020D0604000000000000" pitchFamily="50" charset="-127"/>
+              </a:rPr>
+              <a:t> Application class</a:t>
+            </a:r>
+            <a:r>
+              <a:rPr lang="ko-KR" altLang="en-US" sz="2100" spc="-1" dirty="0">
+                <a:solidFill>
+                  <a:srgbClr val="745EA8"/>
+                </a:solidFill>
+                <a:latin typeface="나눔고딕" panose="020D0604000000000000" pitchFamily="50" charset="-127"/>
+                <a:ea typeface="나눔고딕" panose="020D0604000000000000" pitchFamily="50" charset="-127"/>
+              </a:rPr>
+              <a:t>에 저장된 </a:t>
+            </a:r>
+            <a:r>
+              <a:rPr lang="en-US" altLang="ko-KR" sz="2100" spc="-1" dirty="0">
+                <a:solidFill>
+                  <a:srgbClr val="745EA8"/>
+                </a:solidFill>
+                <a:latin typeface="나눔고딕" panose="020D0604000000000000" pitchFamily="50" charset="-127"/>
+                <a:ea typeface="나눔고딕" panose="020D0604000000000000" pitchFamily="50" charset="-127"/>
+              </a:rPr>
+              <a:t>value</a:t>
+            </a:r>
+            <a:r>
+              <a:rPr lang="ko-KR" altLang="en-US" sz="2100" spc="-1" dirty="0">
+                <a:solidFill>
+                  <a:srgbClr val="745EA8"/>
+                </a:solidFill>
+                <a:latin typeface="나눔고딕" panose="020D0604000000000000" pitchFamily="50" charset="-127"/>
+                <a:ea typeface="나눔고딕" panose="020D0604000000000000" pitchFamily="50" charset="-127"/>
+              </a:rPr>
+              <a:t>를 </a:t>
+            </a:r>
+            <a:r>
+              <a:rPr lang="en-US" altLang="ko-KR" sz="2100" spc="-1" dirty="0">
+                <a:solidFill>
+                  <a:srgbClr val="745EA8"/>
+                </a:solidFill>
+                <a:latin typeface="나눔고딕" panose="020D0604000000000000" pitchFamily="50" charset="-127"/>
+                <a:ea typeface="나눔고딕" panose="020D0604000000000000" pitchFamily="50" charset="-127"/>
+              </a:rPr>
+              <a:t>UI</a:t>
+            </a:r>
+            <a:r>
+              <a:rPr lang="ko-KR" altLang="en-US" sz="2100" spc="-1" dirty="0">
+                <a:solidFill>
+                  <a:srgbClr val="745EA8"/>
+                </a:solidFill>
+                <a:latin typeface="나눔고딕" panose="020D0604000000000000" pitchFamily="50" charset="-127"/>
+                <a:ea typeface="나눔고딕" panose="020D0604000000000000" pitchFamily="50" charset="-127"/>
+              </a:rPr>
+              <a:t> 표시</a:t>
+            </a:r>
+            <a:endParaRPr lang="en-US" altLang="ko-KR" sz="2100" spc="-1" dirty="0">
+              <a:solidFill>
+                <a:srgbClr val="745EA8"/>
+              </a:solidFill>
+              <a:latin typeface="나눔고딕" panose="020D0604000000000000" pitchFamily="50" charset="-127"/>
+              <a:ea typeface="나눔고딕" panose="020D0604000000000000" pitchFamily="50" charset="-127"/>
+            </a:endParaRPr>
+          </a:p>
+          <a:p>
+            <a:pPr marL="285750" indent="-285750">
+              <a:lnSpc>
+                <a:spcPct val="150000"/>
+              </a:lnSpc>
+              <a:buFontTx/>
+              <a:buChar char="-"/>
+            </a:pPr>
+            <a:r>
+              <a:rPr lang="en-US" altLang="ko-KR" sz="2100" spc="-1" dirty="0">
+                <a:solidFill>
+                  <a:srgbClr val="745EA8"/>
+                </a:solidFill>
+                <a:latin typeface="나눔고딕" panose="020D0604000000000000" pitchFamily="50" charset="-127"/>
+                <a:ea typeface="나눔고딕" panose="020D0604000000000000" pitchFamily="50" charset="-127"/>
+              </a:rPr>
+              <a:t> ※ </a:t>
+            </a:r>
+            <a:r>
+              <a:rPr lang="ko-KR" altLang="en-US" sz="2100" spc="-1" dirty="0" err="1">
+                <a:solidFill>
+                  <a:srgbClr val="745EA8"/>
+                </a:solidFill>
+                <a:latin typeface="나눔고딕" panose="020D0604000000000000" pitchFamily="50" charset="-127"/>
+                <a:ea typeface="나눔고딕" panose="020D0604000000000000" pitchFamily="50" charset="-127"/>
+              </a:rPr>
+              <a:t>비동기식이므로</a:t>
+            </a:r>
+            <a:r>
+              <a:rPr lang="ko-KR" altLang="en-US" sz="2100" spc="-1" dirty="0">
+                <a:solidFill>
+                  <a:srgbClr val="745EA8"/>
+                </a:solidFill>
+                <a:latin typeface="나눔고딕" panose="020D0604000000000000" pitchFamily="50" charset="-127"/>
+                <a:ea typeface="나눔고딕" panose="020D0604000000000000" pitchFamily="50" charset="-127"/>
+              </a:rPr>
+              <a:t> 순서대로 실행 안됨</a:t>
+            </a:r>
+            <a:r>
+              <a:rPr lang="en-US" altLang="ko-KR" sz="2100" spc="-1" dirty="0">
+                <a:solidFill>
+                  <a:srgbClr val="745EA8"/>
+                </a:solidFill>
+                <a:latin typeface="나눔고딕" panose="020D0604000000000000" pitchFamily="50" charset="-127"/>
+                <a:ea typeface="나눔고딕" panose="020D0604000000000000" pitchFamily="50" charset="-127"/>
+              </a:rPr>
+              <a:t>. UI</a:t>
+            </a:r>
+            <a:r>
+              <a:rPr lang="ko-KR" altLang="en-US" sz="2100" spc="-1" dirty="0">
+                <a:solidFill>
+                  <a:srgbClr val="745EA8"/>
+                </a:solidFill>
+                <a:latin typeface="나눔고딕" panose="020D0604000000000000" pitchFamily="50" charset="-127"/>
+                <a:ea typeface="나눔고딕" panose="020D0604000000000000" pitchFamily="50" charset="-127"/>
+              </a:rPr>
+              <a:t>에 표시하려는 값이 비어 있어</a:t>
+            </a:r>
+            <a:r>
+              <a:rPr lang="en-US" altLang="ko-KR" sz="2100" spc="-1" dirty="0">
+                <a:solidFill>
+                  <a:srgbClr val="745EA8"/>
+                </a:solidFill>
+                <a:latin typeface="나눔고딕" panose="020D0604000000000000" pitchFamily="50" charset="-127"/>
+                <a:ea typeface="나눔고딕" panose="020D0604000000000000" pitchFamily="50" charset="-127"/>
+              </a:rPr>
+              <a:t> </a:t>
+            </a:r>
+            <a:r>
+              <a:rPr lang="ko-KR" altLang="en-US" sz="2100" spc="-1" dirty="0">
+                <a:solidFill>
+                  <a:srgbClr val="745EA8"/>
+                </a:solidFill>
+                <a:latin typeface="나눔고딕" panose="020D0604000000000000" pitchFamily="50" charset="-127"/>
+                <a:ea typeface="나눔고딕" panose="020D0604000000000000" pitchFamily="50" charset="-127"/>
+              </a:rPr>
+              <a:t>빈 화면 출력</a:t>
+            </a:r>
+            <a:endParaRPr lang="en-US" altLang="ko-KR" sz="2100" spc="-1" dirty="0">
+              <a:solidFill>
+                <a:srgbClr val="745EA8"/>
+              </a:solidFill>
+              <a:latin typeface="나눔고딕" panose="020D0604000000000000" pitchFamily="50" charset="-127"/>
+              <a:ea typeface="나눔고딕" panose="020D0604000000000000" pitchFamily="50" charset="-127"/>
+            </a:endParaRPr>
+          </a:p>
+        </p:txBody>
+      </p:sp>
+      <p:pic>
+        <p:nvPicPr>
+          <p:cNvPr id="4" name="그림 3">
+            <a:extLst>
+              <a:ext uri="{FF2B5EF4-FFF2-40B4-BE49-F238E27FC236}">
+                <a16:creationId xmlns:a16="http://schemas.microsoft.com/office/drawing/2014/main" id="{78B89C18-E86F-48C4-B4C5-2AD114A6DFF7}"/>
+              </a:ext>
+            </a:extLst>
+          </p:cNvPr>
+          <p:cNvPicPr>
+            <a:picLocks noChangeAspect="1"/>
+          </p:cNvPicPr>
+          <p:nvPr/>
+        </p:nvPicPr>
+        <p:blipFill>
+          <a:blip r:embed="rId2">
+            <a:extLst>
+              <a:ext uri="{28A0092B-C50C-407E-A947-70E740481C1C}">
+                <a14:useLocalDpi xmlns:a14="http://schemas.microsoft.com/office/drawing/2010/main" val="0"/>
+              </a:ext>
+            </a:extLst>
+          </a:blip>
+          <a:stretch>
+            <a:fillRect/>
+          </a:stretch>
+        </p:blipFill>
+        <p:spPr>
+          <a:xfrm>
+            <a:off x="1256452" y="1677691"/>
+            <a:ext cx="2883545" cy="5871064"/>
+          </a:xfrm>
+          <a:prstGeom prst="rect">
+            <a:avLst/>
+          </a:prstGeom>
+        </p:spPr>
+      </p:pic>
+    </p:spTree>
+  </p:cSld>
+  <p:clrMapOvr>
+    <a:masterClrMapping/>
+  </p:clrMapOvr>
+  <p:timing>
+    <p:tnLst>
+      <p:par>
+        <p:cTn id="1" dur="indefinite" restart="never" nodeType="tmRoot">
+          <p:childTnLst>
+            <p:seq>
+              <p:cTn id="2" dur="indefinite" nodeType="mainSeq"/>
+              <p:prevCondLst>
+                <p:cond evt="onPrev" delay="0">
+                  <p:tgtEl>
+                    <p:sldTgt/>
+                  </p:tgtEl>
+                </p:cond>
+              </p:prevCondLst>
+              <p:nextCondLst>
+                <p:cond evt="onNext" delay="0">
+                  <p:tgtEl>
+                    <p:sldTgt/>
+                  </p:tgtEl>
+                </p:cond>
+              </p:nextCondLst>
+            </p:seq>
+          </p:childTnLst>
+        </p:cTn>
+      </p:par>
+    </p:tnLst>
+  </p:timing>
+</p:sld>
+</file>
+
+<file path=ppt/slides/slide4.xml><?xml version="1.0" encoding="utf-8"?>
+<p:sld xmlns:a="http://schemas.openxmlformats.org/drawingml/2006/main" xmlns:r="http://schemas.openxmlformats.org/officeDocument/2006/relationships" xmlns:p="http://schemas.openxmlformats.org/presentationml/2006/main">
+  <p:cSld>
+    <p:spTree>
+      <p:nvGrpSpPr>
+        <p:cNvPr id="1" name=""/>
+        <p:cNvGrpSpPr/>
+        <p:nvPr/>
+      </p:nvGrpSpPr>
+      <p:grpSpPr>
+        <a:xfrm>
+          <a:off x="0" y="0"/>
+          <a:ext cx="0" cy="0"/>
+          <a:chOff x="0" y="0"/>
+          <a:chExt cx="0" cy="0"/>
+        </a:xfrm>
+      </p:grpSpPr>
+      <p:sp>
+        <p:nvSpPr>
+          <p:cNvPr id="186" name="CustomShape 1"/>
+          <p:cNvSpPr/>
+          <p:nvPr/>
+        </p:nvSpPr>
+        <p:spPr>
+          <a:xfrm>
+            <a:off x="470880" y="432360"/>
+            <a:ext cx="2404800" cy="2515680"/>
+          </a:xfrm>
+          <a:prstGeom prst="rect">
+            <a:avLst/>
+          </a:prstGeom>
+          <a:noFill/>
+          <a:ln>
+            <a:noFill/>
+          </a:ln>
+        </p:spPr>
+        <p:style>
+          <a:lnRef idx="0">
+            <a:scrgbClr r="0" g="0" b="0"/>
+          </a:lnRef>
+          <a:fillRef idx="0">
+            <a:scrgbClr r="0" g="0" b="0"/>
+          </a:fillRef>
+          <a:effectRef idx="0">
+            <a:scrgbClr r="0" g="0" b="0"/>
+          </a:effectRef>
+          <a:fontRef idx="minor"/>
+        </p:style>
+        <p:txBody>
+          <a:bodyPr lIns="0" tIns="0" rIns="0" bIns="0"/>
+          <a:lstStyle/>
+          <a:p>
+            <a:pPr algn="r">
+              <a:lnSpc>
+                <a:spcPct val="100000"/>
+              </a:lnSpc>
+            </a:pPr>
+            <a:endParaRPr lang="en-US" sz="1800" b="0" strike="noStrike" spc="-1">
+              <a:latin typeface="Times New Roman"/>
+            </a:endParaRPr>
+          </a:p>
+          <a:p>
+            <a:pPr algn="r">
+              <a:lnSpc>
+                <a:spcPct val="100000"/>
+              </a:lnSpc>
+            </a:pPr>
+            <a:r>
+              <a:rPr lang="en-US" sz="4000" b="0" strike="noStrike" spc="-1">
+                <a:solidFill>
+                  <a:srgbClr val="00AAAE"/>
+                </a:solidFill>
+                <a:latin typeface="나눔명조"/>
+                <a:ea typeface="나눔명조"/>
+              </a:rPr>
+              <a:t>진행 상황</a:t>
+            </a:r>
+            <a:endParaRPr lang="en-US" sz="4000" b="0" strike="noStrike" spc="-1">
+              <a:latin typeface="Times New Roman"/>
+            </a:endParaRPr>
+          </a:p>
+        </p:txBody>
+      </p:sp>
+      <p:sp>
+        <p:nvSpPr>
+          <p:cNvPr id="187" name="CustomShape 2"/>
+          <p:cNvSpPr/>
+          <p:nvPr/>
+        </p:nvSpPr>
+        <p:spPr>
+          <a:xfrm>
+            <a:off x="4320000" y="432360"/>
+            <a:ext cx="5755680" cy="463680"/>
+          </a:xfrm>
+          <a:prstGeom prst="rect">
+            <a:avLst/>
+          </a:prstGeom>
+          <a:noFill/>
+          <a:ln>
+            <a:noFill/>
+          </a:ln>
+        </p:spPr>
+        <p:style>
+          <a:lnRef idx="0">
+            <a:scrgbClr r="0" g="0" b="0"/>
+          </a:lnRef>
+          <a:fillRef idx="0">
+            <a:scrgbClr r="0" g="0" b="0"/>
+          </a:fillRef>
+          <a:effectRef idx="0">
+            <a:scrgbClr r="0" g="0" b="0"/>
+          </a:effectRef>
+          <a:fontRef idx="minor"/>
+        </p:style>
+        <p:txBody>
+          <a:bodyPr lIns="0" tIns="0" rIns="0" bIns="0"/>
+          <a:lstStyle/>
+          <a:p>
+            <a:pPr>
+              <a:lnSpc>
+                <a:spcPts val="2401"/>
+              </a:lnSpc>
+            </a:pPr>
+            <a:endParaRPr lang="en-US" sz="2800" b="0" strike="noStrike" spc="-1" dirty="0">
+              <a:latin typeface="Times New Roman"/>
+            </a:endParaRPr>
+          </a:p>
+          <a:p>
+            <a:pPr>
+              <a:lnSpc>
+                <a:spcPts val="2401"/>
+              </a:lnSpc>
+            </a:pPr>
+            <a:endParaRPr lang="en-US" sz="2800" b="0" strike="noStrike" spc="-1" dirty="0">
+              <a:latin typeface="Times New Roman"/>
+            </a:endParaRPr>
+          </a:p>
+          <a:p>
+            <a:pPr>
+              <a:lnSpc>
+                <a:spcPts val="2401"/>
+              </a:lnSpc>
+            </a:pPr>
+            <a:r>
+              <a:rPr lang="en-US" sz="2800" spc="-1" dirty="0">
+                <a:solidFill>
+                  <a:srgbClr val="00AAAE"/>
+                </a:solidFill>
+                <a:latin typeface="나눔명조"/>
+              </a:rPr>
+              <a:t> Troubleshooting</a:t>
+            </a:r>
+            <a:endParaRPr lang="en-US" sz="2800" b="0" strike="noStrike" spc="-1" dirty="0">
+              <a:latin typeface="Times New Roman"/>
+            </a:endParaRPr>
+          </a:p>
+        </p:txBody>
+      </p:sp>
+      <p:sp>
+        <p:nvSpPr>
+          <p:cNvPr id="188" name="CustomShape 3"/>
+          <p:cNvSpPr/>
+          <p:nvPr/>
+        </p:nvSpPr>
+        <p:spPr>
+          <a:xfrm>
+            <a:off x="118080" y="3710520"/>
+            <a:ext cx="1615680" cy="2407680"/>
+          </a:xfrm>
+          <a:prstGeom prst="rect">
+            <a:avLst/>
+          </a:prstGeom>
+          <a:noFill/>
+          <a:ln>
+            <a:noFill/>
+          </a:ln>
+        </p:spPr>
+        <p:style>
+          <a:lnRef idx="0">
+            <a:scrgbClr r="0" g="0" b="0"/>
+          </a:lnRef>
+          <a:fillRef idx="0">
+            <a:scrgbClr r="0" g="0" b="0"/>
+          </a:fillRef>
+          <a:effectRef idx="0">
+            <a:scrgbClr r="0" g="0" b="0"/>
+          </a:effectRef>
+          <a:fontRef idx="minor"/>
+        </p:style>
+        <p:txBody>
+          <a:bodyPr lIns="0" tIns="0" rIns="0" bIns="0"/>
+          <a:lstStyle/>
+          <a:p>
+            <a:pPr>
+              <a:lnSpc>
+                <a:spcPts val="18499"/>
+              </a:lnSpc>
+            </a:pPr>
+            <a:r>
+              <a:rPr lang="en-US" sz="18500" b="0" strike="noStrike" spc="-117">
+                <a:solidFill>
+                  <a:srgbClr val="E1E2E3"/>
+                </a:solidFill>
+                <a:latin typeface="나눔명조"/>
+                <a:ea typeface="나눔명조"/>
+              </a:rPr>
+              <a:t>2</a:t>
+            </a:r>
+            <a:endParaRPr lang="en-US" sz="18500" b="0" strike="noStrike" spc="-1">
+              <a:latin typeface="Times New Roman"/>
+            </a:endParaRPr>
+          </a:p>
+        </p:txBody>
+      </p:sp>
+      <p:sp>
+        <p:nvSpPr>
+          <p:cNvPr id="189" name="CustomShape 4"/>
+          <p:cNvSpPr/>
+          <p:nvPr/>
+        </p:nvSpPr>
+        <p:spPr>
+          <a:xfrm rot="16200000">
+            <a:off x="9001964" y="4857284"/>
+            <a:ext cx="2806233" cy="715680"/>
+          </a:xfrm>
+          <a:prstGeom prst="rect">
+            <a:avLst/>
+          </a:prstGeom>
+          <a:noFill/>
+          <a:ln>
+            <a:noFill/>
+          </a:ln>
+        </p:spPr>
+        <p:style>
+          <a:lnRef idx="0">
+            <a:scrgbClr r="0" g="0" b="0"/>
+          </a:lnRef>
+          <a:fillRef idx="0">
+            <a:scrgbClr r="0" g="0" b="0"/>
+          </a:fillRef>
+          <a:effectRef idx="0">
+            <a:scrgbClr r="0" g="0" b="0"/>
+          </a:effectRef>
+          <a:fontRef idx="minor"/>
+        </p:style>
+        <p:txBody>
+          <a:bodyPr lIns="0" tIns="0" rIns="0" bIns="0"/>
+          <a:lstStyle/>
+          <a:p>
+            <a:pPr>
+              <a:lnSpc>
+                <a:spcPts val="3849"/>
+              </a:lnSpc>
+            </a:pPr>
+            <a:r>
+              <a:rPr lang="en-US" sz="3850" b="0" strike="noStrike" spc="-117">
+                <a:solidFill>
+                  <a:srgbClr val="D1D3D4"/>
+                </a:solidFill>
+                <a:latin typeface="나눔명조"/>
+                <a:ea typeface="나눔명조"/>
+              </a:rPr>
+              <a:t>confidential</a:t>
+            </a:r>
+            <a:endParaRPr lang="en-US" sz="3850" b="0" strike="noStrike" spc="-1">
+              <a:latin typeface="Times New Roman"/>
+            </a:endParaRPr>
+          </a:p>
+        </p:txBody>
+      </p:sp>
+      <p:sp>
+        <p:nvSpPr>
+          <p:cNvPr id="190" name="CustomShape 5"/>
+          <p:cNvSpPr/>
+          <p:nvPr/>
+        </p:nvSpPr>
+        <p:spPr>
+          <a:xfrm>
+            <a:off x="4320000" y="864000"/>
+            <a:ext cx="5935680" cy="2263680"/>
+          </a:xfrm>
+          <a:prstGeom prst="rect">
+            <a:avLst/>
+          </a:prstGeom>
+          <a:noFill/>
+          <a:ln>
+            <a:noFill/>
+          </a:ln>
+        </p:spPr>
+        <p:style>
+          <a:lnRef idx="0">
+            <a:scrgbClr r="0" g="0" b="0"/>
+          </a:lnRef>
+          <a:fillRef idx="0">
+            <a:scrgbClr r="0" g="0" b="0"/>
+          </a:fillRef>
+          <a:effectRef idx="0">
+            <a:scrgbClr r="0" g="0" b="0"/>
+          </a:effectRef>
+          <a:fontRef idx="minor"/>
+        </p:style>
+      </p:sp>
+      <p:sp>
+        <p:nvSpPr>
+          <p:cNvPr id="191" name="CustomShape 6"/>
+          <p:cNvSpPr/>
+          <p:nvPr/>
+        </p:nvSpPr>
+        <p:spPr>
+          <a:xfrm>
+            <a:off x="7665840" y="184320"/>
+            <a:ext cx="2738880" cy="360720"/>
+          </a:xfrm>
+          <a:prstGeom prst="rect">
+            <a:avLst/>
+          </a:prstGeom>
+          <a:noFill/>
+          <a:ln>
+            <a:noFill/>
+          </a:ln>
+        </p:spPr>
+        <p:style>
+          <a:lnRef idx="0">
+            <a:scrgbClr r="0" g="0" b="0"/>
+          </a:lnRef>
+          <a:fillRef idx="0">
+            <a:scrgbClr r="0" g="0" b="0"/>
+          </a:fillRef>
+          <a:effectRef idx="0">
+            <a:scrgbClr r="0" g="0" b="0"/>
+          </a:effectRef>
+          <a:fontRef idx="minor"/>
+        </p:style>
+        <p:txBody>
+          <a:bodyPr lIns="90000" tIns="45000" rIns="90000" bIns="45000" anchor="ctr"/>
+          <a:lstStyle/>
+          <a:p>
+            <a:pPr algn="r">
+              <a:lnSpc>
+                <a:spcPct val="100000"/>
+              </a:lnSpc>
+            </a:pPr>
+            <a:fld id="{F03BA42A-7421-4EF0-BF65-C5133C922AE8}" type="slidenum">
+              <a:rPr lang="en-US" sz="3600" b="0" strike="noStrike" spc="-1">
+                <a:solidFill>
+                  <a:srgbClr val="B2B2B2"/>
+                </a:solidFill>
+                <a:latin typeface="맑은 고딕"/>
+                <a:ea typeface="DejaVu Sans"/>
+              </a:rPr>
+              <a:t>4</a:t>
+            </a:fld>
+            <a:endParaRPr lang="en-US" sz="3600" b="0" strike="noStrike" spc="-1">
+              <a:latin typeface="Times New Roman"/>
+            </a:endParaRPr>
+          </a:p>
+        </p:txBody>
+      </p:sp>
+      <p:sp>
+        <p:nvSpPr>
+          <p:cNvPr id="193" name="CustomShape 7"/>
+          <p:cNvSpPr/>
+          <p:nvPr/>
+        </p:nvSpPr>
+        <p:spPr>
+          <a:xfrm>
+            <a:off x="4319998" y="1690199"/>
+            <a:ext cx="5755681" cy="5313273"/>
+          </a:xfrm>
+          <a:prstGeom prst="rect">
+            <a:avLst/>
+          </a:prstGeom>
+          <a:noFill/>
+          <a:ln>
+            <a:noFill/>
+          </a:ln>
+        </p:spPr>
+        <p:style>
+          <a:lnRef idx="0">
+            <a:scrgbClr r="0" g="0" b="0"/>
+          </a:lnRef>
+          <a:fillRef idx="0">
+            <a:scrgbClr r="0" g="0" b="0"/>
+          </a:fillRef>
+          <a:effectRef idx="0">
+            <a:scrgbClr r="0" g="0" b="0"/>
+          </a:effectRef>
+          <a:fontRef idx="minor"/>
+        </p:style>
+        <p:txBody>
+          <a:bodyPr lIns="0" tIns="0" rIns="0" bIns="0" anchor="t"/>
+          <a:lstStyle/>
+          <a:p>
+            <a:pPr marL="285750" indent="-285750">
+              <a:lnSpc>
+                <a:spcPct val="150000"/>
+              </a:lnSpc>
+              <a:buFontTx/>
+              <a:buChar char="-"/>
+            </a:pPr>
+            <a:r>
+              <a:rPr lang="ko-KR" altLang="en-US" sz="2100" spc="-1" dirty="0">
+                <a:solidFill>
+                  <a:srgbClr val="745EA8"/>
+                </a:solidFill>
+                <a:latin typeface="나눔고딕" panose="020D0604000000000000" pitchFamily="50" charset="-127"/>
+                <a:ea typeface="나눔고딕" panose="020D0604000000000000" pitchFamily="50" charset="-127"/>
+              </a:rPr>
+              <a:t> 비동기식 → 동기식으로 전환</a:t>
+            </a:r>
+            <a:endParaRPr lang="en-US" altLang="ko-KR" sz="2100" spc="-1" dirty="0">
+              <a:solidFill>
+                <a:srgbClr val="745EA8"/>
+              </a:solidFill>
+              <a:latin typeface="나눔고딕" panose="020D0604000000000000" pitchFamily="50" charset="-127"/>
+              <a:ea typeface="나눔고딕" panose="020D0604000000000000" pitchFamily="50" charset="-127"/>
+            </a:endParaRPr>
+          </a:p>
+          <a:p>
+            <a:pPr marL="285750" indent="-285750">
+              <a:lnSpc>
+                <a:spcPct val="150000"/>
+              </a:lnSpc>
+              <a:buFontTx/>
+              <a:buChar char="-"/>
+            </a:pPr>
+            <a:r>
+              <a:rPr lang="en-US" altLang="ko-KR" sz="2100" spc="-1" dirty="0">
+                <a:solidFill>
+                  <a:srgbClr val="745EA8"/>
+                </a:solidFill>
+                <a:latin typeface="나눔고딕" panose="020D0604000000000000" pitchFamily="50" charset="-127"/>
+                <a:ea typeface="나눔고딕" panose="020D0604000000000000" pitchFamily="50" charset="-127"/>
+              </a:rPr>
+              <a:t> ※ Android </a:t>
+            </a:r>
+            <a:r>
+              <a:rPr lang="ko-KR" altLang="en-US" sz="2100" spc="-1" dirty="0">
+                <a:solidFill>
+                  <a:srgbClr val="745EA8"/>
+                </a:solidFill>
+                <a:latin typeface="나눔고딕" panose="020D0604000000000000" pitchFamily="50" charset="-127"/>
+                <a:ea typeface="나눔고딕" panose="020D0604000000000000" pitchFamily="50" charset="-127"/>
+              </a:rPr>
+              <a:t>에서는 </a:t>
+            </a:r>
+            <a:r>
+              <a:rPr lang="en-US" altLang="ko-KR" sz="2100" spc="-1" dirty="0" err="1">
+                <a:solidFill>
+                  <a:srgbClr val="745EA8"/>
+                </a:solidFill>
+                <a:latin typeface="나눔고딕" panose="020D0604000000000000" pitchFamily="50" charset="-127"/>
+                <a:ea typeface="나눔고딕" panose="020D0604000000000000" pitchFamily="50" charset="-127"/>
+              </a:rPr>
+              <a:t>MainThread</a:t>
+            </a:r>
+            <a:r>
+              <a:rPr lang="en-US" altLang="ko-KR" sz="2100" spc="-1" dirty="0">
+                <a:solidFill>
+                  <a:srgbClr val="745EA8"/>
+                </a:solidFill>
+                <a:latin typeface="나눔고딕" panose="020D0604000000000000" pitchFamily="50" charset="-127"/>
+                <a:ea typeface="나눔고딕" panose="020D0604000000000000" pitchFamily="50" charset="-127"/>
+              </a:rPr>
+              <a:t> (UI Thread) </a:t>
+            </a:r>
+            <a:r>
+              <a:rPr lang="ko-KR" altLang="en-US" sz="2100" spc="-1" dirty="0">
+                <a:solidFill>
+                  <a:srgbClr val="745EA8"/>
+                </a:solidFill>
+                <a:latin typeface="나눔고딕" panose="020D0604000000000000" pitchFamily="50" charset="-127"/>
+                <a:ea typeface="나눔고딕" panose="020D0604000000000000" pitchFamily="50" charset="-127"/>
+              </a:rPr>
+              <a:t>에서 네트워크 통신을 할 수 없도록 되어있음</a:t>
+            </a:r>
+            <a:endParaRPr lang="en-US" altLang="ko-KR" sz="2100" spc="-1" dirty="0">
+              <a:solidFill>
+                <a:srgbClr val="745EA8"/>
+              </a:solidFill>
+              <a:latin typeface="나눔고딕" panose="020D0604000000000000" pitchFamily="50" charset="-127"/>
+              <a:ea typeface="나눔고딕" panose="020D0604000000000000" pitchFamily="50" charset="-127"/>
+            </a:endParaRPr>
+          </a:p>
+          <a:p>
+            <a:pPr marL="285750" indent="-285750">
+              <a:lnSpc>
+                <a:spcPct val="150000"/>
+              </a:lnSpc>
+              <a:buFontTx/>
+              <a:buChar char="-"/>
+            </a:pPr>
+            <a:r>
+              <a:rPr lang="ko-KR" altLang="en-US" sz="2100" spc="-1" dirty="0">
+                <a:solidFill>
+                  <a:srgbClr val="745EA8"/>
+                </a:solidFill>
+                <a:latin typeface="나눔고딕" panose="020D0604000000000000" pitchFamily="50" charset="-127"/>
+                <a:ea typeface="나눔고딕" panose="020D0604000000000000" pitchFamily="50" charset="-127"/>
+              </a:rPr>
+              <a:t> 다른 </a:t>
+            </a:r>
+            <a:r>
+              <a:rPr lang="en-US" altLang="ko-KR" sz="2100" spc="-1" dirty="0">
+                <a:solidFill>
+                  <a:srgbClr val="745EA8"/>
+                </a:solidFill>
+                <a:latin typeface="나눔고딕" panose="020D0604000000000000" pitchFamily="50" charset="-127"/>
+                <a:ea typeface="나눔고딕" panose="020D0604000000000000" pitchFamily="50" charset="-127"/>
+              </a:rPr>
+              <a:t>Thread </a:t>
+            </a:r>
+            <a:r>
+              <a:rPr lang="ko-KR" altLang="en-US" sz="2100" spc="-1" dirty="0">
+                <a:solidFill>
+                  <a:srgbClr val="745EA8"/>
+                </a:solidFill>
+                <a:latin typeface="나눔고딕" panose="020D0604000000000000" pitchFamily="50" charset="-127"/>
+                <a:ea typeface="나눔고딕" panose="020D0604000000000000" pitchFamily="50" charset="-127"/>
+              </a:rPr>
+              <a:t>생성하여 작업</a:t>
+            </a:r>
+            <a:r>
+              <a:rPr lang="en-US" altLang="ko-KR" sz="2100" spc="-1" dirty="0">
+                <a:solidFill>
+                  <a:srgbClr val="745EA8"/>
+                </a:solidFill>
+                <a:latin typeface="나눔고딕" panose="020D0604000000000000" pitchFamily="50" charset="-127"/>
+                <a:ea typeface="나눔고딕" panose="020D0604000000000000" pitchFamily="50" charset="-127"/>
+              </a:rPr>
+              <a:t>, </a:t>
+            </a:r>
+            <a:r>
+              <a:rPr lang="ko-KR" altLang="en-US" sz="2100" spc="-1" dirty="0">
+                <a:solidFill>
+                  <a:srgbClr val="745EA8"/>
+                </a:solidFill>
+                <a:latin typeface="나눔고딕" panose="020D0604000000000000" pitchFamily="50" charset="-127"/>
+                <a:ea typeface="나눔고딕" panose="020D0604000000000000" pitchFamily="50" charset="-127"/>
+              </a:rPr>
+              <a:t>해결</a:t>
+            </a:r>
+            <a:endParaRPr lang="en-US" altLang="ko-KR" sz="2100" spc="-1" dirty="0">
+              <a:solidFill>
+                <a:srgbClr val="745EA8"/>
+              </a:solidFill>
+              <a:latin typeface="나눔고딕" panose="020D0604000000000000" pitchFamily="50" charset="-127"/>
+              <a:ea typeface="나눔고딕" panose="020D0604000000000000" pitchFamily="50" charset="-127"/>
+            </a:endParaRPr>
+          </a:p>
+        </p:txBody>
+      </p:sp>
+      <p:pic>
+        <p:nvPicPr>
+          <p:cNvPr id="3" name="그림 2">
+            <a:extLst>
+              <a:ext uri="{FF2B5EF4-FFF2-40B4-BE49-F238E27FC236}">
+                <a16:creationId xmlns:a16="http://schemas.microsoft.com/office/drawing/2014/main" id="{26D01E7E-1FF2-4B54-A6B0-EB5CDD7F197B}"/>
+              </a:ext>
+            </a:extLst>
+          </p:cNvPr>
+          <p:cNvPicPr>
+            <a:picLocks noChangeAspect="1"/>
+          </p:cNvPicPr>
+          <p:nvPr/>
+        </p:nvPicPr>
+        <p:blipFill>
+          <a:blip r:embed="rId2">
+            <a:extLst>
+              <a:ext uri="{28A0092B-C50C-407E-A947-70E740481C1C}">
+                <a14:useLocalDpi xmlns:a14="http://schemas.microsoft.com/office/drawing/2010/main" val="0"/>
+              </a:ext>
+            </a:extLst>
+          </a:blip>
+          <a:stretch>
+            <a:fillRect/>
+          </a:stretch>
+        </p:blipFill>
+        <p:spPr>
+          <a:xfrm>
+            <a:off x="1390978" y="5509339"/>
+            <a:ext cx="8656262" cy="1187924"/>
+          </a:xfrm>
+          <a:prstGeom prst="rect">
+            <a:avLst/>
+          </a:prstGeom>
+        </p:spPr>
+      </p:pic>
+    </p:spTree>
+    <p:extLst>
+      <p:ext uri="{BB962C8B-B14F-4D97-AF65-F5344CB8AC3E}">
+        <p14:creationId xmlns:p14="http://schemas.microsoft.com/office/powerpoint/2010/main" val="1356492625"/>
+      </p:ext>
+    </p:extLst>
+  </p:cSld>
+  <p:clrMapOvr>
+    <a:masterClrMapping/>
+  </p:clrMapOvr>
+  <p:timing>
+    <p:tnLst>
+      <p:par>
+        <p:cTn id="1" dur="indefinite" restart="never" nodeType="tmRoot">
+          <p:childTnLst>
+            <p:seq>
+              <p:cTn id="2" dur="indefinite" nodeType="mainSeq"/>
+              <p:prevCondLst>
+                <p:cond evt="onPrev" delay="0">
+                  <p:tgtEl>
+                    <p:sldTgt/>
+                  </p:tgtEl>
+                </p:cond>
+              </p:prevCondLst>
+              <p:nextCondLst>
+                <p:cond evt="onNext" delay="0">
+                  <p:tgtEl>
+                    <p:sldTgt/>
+                  </p:tgtEl>
+                </p:cond>
+              </p:nextCondLst>
+            </p:seq>
+          </p:childTnLst>
+        </p:cTn>
+      </p:par>
+    </p:tnLst>
+  </p:timing>
+</p:sld>
+</file>
+
+<file path=ppt/slides/slide5.xml><?xml version="1.0" encoding="utf-8"?>
+<p:sld xmlns:a="http://schemas.openxmlformats.org/drawingml/2006/main" xmlns:r="http://schemas.openxmlformats.org/officeDocument/2006/relationships" xmlns:p="http://schemas.openxmlformats.org/presentationml/2006/main">
+  <p:cSld>
+    <p:spTree>
+      <p:nvGrpSpPr>
+        <p:cNvPr id="1" name=""/>
+        <p:cNvGrpSpPr/>
+        <p:nvPr/>
+      </p:nvGrpSpPr>
+      <p:grpSpPr>
+        <a:xfrm>
+          <a:off x="0" y="0"/>
+          <a:ext cx="0" cy="0"/>
+          <a:chOff x="0" y="0"/>
+          <a:chExt cx="0" cy="0"/>
+        </a:xfrm>
+      </p:grpSpPr>
+      <p:sp>
+        <p:nvSpPr>
+          <p:cNvPr id="186" name="CustomShape 1"/>
+          <p:cNvSpPr/>
+          <p:nvPr/>
+        </p:nvSpPr>
+        <p:spPr>
+          <a:xfrm>
+            <a:off x="470880" y="432360"/>
+            <a:ext cx="2404800" cy="2515680"/>
+          </a:xfrm>
+          <a:prstGeom prst="rect">
+            <a:avLst/>
+          </a:prstGeom>
+          <a:noFill/>
+          <a:ln>
+            <a:noFill/>
+          </a:ln>
+        </p:spPr>
+        <p:style>
+          <a:lnRef idx="0">
+            <a:scrgbClr r="0" g="0" b="0"/>
+          </a:lnRef>
+          <a:fillRef idx="0">
+            <a:scrgbClr r="0" g="0" b="0"/>
+          </a:fillRef>
+          <a:effectRef idx="0">
+            <a:scrgbClr r="0" g="0" b="0"/>
+          </a:effectRef>
+          <a:fontRef idx="minor"/>
+        </p:style>
+        <p:txBody>
+          <a:bodyPr lIns="0" tIns="0" rIns="0" bIns="0"/>
+          <a:lstStyle/>
+          <a:p>
+            <a:pPr algn="r">
+              <a:lnSpc>
+                <a:spcPct val="100000"/>
+              </a:lnSpc>
+            </a:pPr>
+            <a:endParaRPr lang="en-US" sz="1800" b="0" strike="noStrike" spc="-1">
+              <a:latin typeface="Times New Roman"/>
+            </a:endParaRPr>
+          </a:p>
+          <a:p>
+            <a:pPr algn="r">
+              <a:lnSpc>
+                <a:spcPct val="100000"/>
+              </a:lnSpc>
+            </a:pPr>
+            <a:r>
+              <a:rPr lang="en-US" sz="4000" b="0" strike="noStrike" spc="-1">
+                <a:solidFill>
+                  <a:srgbClr val="00AAAE"/>
+                </a:solidFill>
+                <a:latin typeface="나눔명조"/>
+                <a:ea typeface="나눔명조"/>
+              </a:rPr>
+              <a:t>진행 상황</a:t>
+            </a:r>
+            <a:endParaRPr lang="en-US" sz="4000" b="0" strike="noStrike" spc="-1">
+              <a:latin typeface="Times New Roman"/>
+            </a:endParaRPr>
+          </a:p>
+        </p:txBody>
+      </p:sp>
+      <p:sp>
+        <p:nvSpPr>
+          <p:cNvPr id="187" name="CustomShape 2"/>
+          <p:cNvSpPr/>
+          <p:nvPr/>
+        </p:nvSpPr>
+        <p:spPr>
+          <a:xfrm>
+            <a:off x="4320000" y="432360"/>
+            <a:ext cx="5755680" cy="463680"/>
+          </a:xfrm>
+          <a:prstGeom prst="rect">
+            <a:avLst/>
+          </a:prstGeom>
+          <a:noFill/>
+          <a:ln>
+            <a:noFill/>
+          </a:ln>
+        </p:spPr>
+        <p:style>
+          <a:lnRef idx="0">
+            <a:scrgbClr r="0" g="0" b="0"/>
+          </a:lnRef>
+          <a:fillRef idx="0">
+            <a:scrgbClr r="0" g="0" b="0"/>
+          </a:fillRef>
+          <a:effectRef idx="0">
+            <a:scrgbClr r="0" g="0" b="0"/>
+          </a:effectRef>
+          <a:fontRef idx="minor"/>
+        </p:style>
+        <p:txBody>
+          <a:bodyPr lIns="0" tIns="0" rIns="0" bIns="0"/>
+          <a:lstStyle/>
+          <a:p>
+            <a:pPr>
+              <a:lnSpc>
+                <a:spcPts val="2401"/>
+              </a:lnSpc>
+            </a:pPr>
+            <a:endParaRPr lang="en-US" sz="2800" b="0" strike="noStrike" spc="-1" dirty="0">
+              <a:latin typeface="Times New Roman"/>
+            </a:endParaRPr>
+          </a:p>
+          <a:p>
+            <a:pPr>
+              <a:lnSpc>
+                <a:spcPts val="2401"/>
+              </a:lnSpc>
+            </a:pPr>
+            <a:endParaRPr lang="en-US" sz="2800" b="0" strike="noStrike" spc="-1" dirty="0">
+              <a:latin typeface="Times New Roman"/>
+            </a:endParaRPr>
+          </a:p>
+          <a:p>
+            <a:pPr>
+              <a:lnSpc>
+                <a:spcPts val="2401"/>
+              </a:lnSpc>
+            </a:pPr>
+            <a:r>
+              <a:rPr lang="en-US" sz="2800" spc="-1" dirty="0">
+                <a:solidFill>
+                  <a:srgbClr val="00AAAE"/>
+                </a:solidFill>
+                <a:latin typeface="나눔명조"/>
+              </a:rPr>
+              <a:t> </a:t>
+            </a:r>
+            <a:r>
+              <a:rPr lang="ko-KR" altLang="en-US" sz="2800" spc="-1" dirty="0">
+                <a:solidFill>
+                  <a:srgbClr val="00AAAE"/>
+                </a:solidFill>
+                <a:latin typeface="나눔명조"/>
+              </a:rPr>
+              <a:t>다른 해결</a:t>
+            </a:r>
+            <a:r>
+              <a:rPr lang="en-US" altLang="ko-KR" sz="2800" spc="-1" dirty="0">
+                <a:solidFill>
+                  <a:srgbClr val="00AAAE"/>
+                </a:solidFill>
+                <a:latin typeface="나눔명조"/>
+              </a:rPr>
+              <a:t> </a:t>
+            </a:r>
+            <a:r>
+              <a:rPr lang="ko-KR" altLang="en-US" sz="2800" spc="-1" dirty="0">
+                <a:solidFill>
+                  <a:srgbClr val="00AAAE"/>
+                </a:solidFill>
+                <a:latin typeface="나눔명조"/>
+              </a:rPr>
+              <a:t>방안</a:t>
+            </a:r>
+            <a:endParaRPr lang="en-US" sz="2800" b="0" strike="noStrike" spc="-1" dirty="0">
+              <a:latin typeface="Times New Roman"/>
+            </a:endParaRPr>
+          </a:p>
+        </p:txBody>
+      </p:sp>
+      <p:sp>
+        <p:nvSpPr>
+          <p:cNvPr id="188" name="CustomShape 3"/>
+          <p:cNvSpPr/>
+          <p:nvPr/>
+        </p:nvSpPr>
+        <p:spPr>
+          <a:xfrm>
+            <a:off x="118080" y="3710520"/>
+            <a:ext cx="1615680" cy="2407680"/>
+          </a:xfrm>
+          <a:prstGeom prst="rect">
+            <a:avLst/>
+          </a:prstGeom>
+          <a:noFill/>
+          <a:ln>
+            <a:noFill/>
+          </a:ln>
+        </p:spPr>
+        <p:style>
+          <a:lnRef idx="0">
+            <a:scrgbClr r="0" g="0" b="0"/>
+          </a:lnRef>
+          <a:fillRef idx="0">
+            <a:scrgbClr r="0" g="0" b="0"/>
+          </a:fillRef>
+          <a:effectRef idx="0">
+            <a:scrgbClr r="0" g="0" b="0"/>
+          </a:effectRef>
+          <a:fontRef idx="minor"/>
+        </p:style>
+        <p:txBody>
+          <a:bodyPr lIns="0" tIns="0" rIns="0" bIns="0"/>
+          <a:lstStyle/>
+          <a:p>
+            <a:pPr>
+              <a:lnSpc>
+                <a:spcPts val="18499"/>
+              </a:lnSpc>
+            </a:pPr>
+            <a:r>
+              <a:rPr lang="en-US" sz="18500" b="0" strike="noStrike" spc="-117">
+                <a:solidFill>
+                  <a:srgbClr val="E1E2E3"/>
+                </a:solidFill>
+                <a:latin typeface="나눔명조"/>
+                <a:ea typeface="나눔명조"/>
+              </a:rPr>
+              <a:t>2</a:t>
+            </a:r>
+            <a:endParaRPr lang="en-US" sz="18500" b="0" strike="noStrike" spc="-1">
+              <a:latin typeface="Times New Roman"/>
+            </a:endParaRPr>
+          </a:p>
+        </p:txBody>
+      </p:sp>
+      <p:sp>
+        <p:nvSpPr>
+          <p:cNvPr id="189" name="CustomShape 4"/>
+          <p:cNvSpPr/>
+          <p:nvPr/>
+        </p:nvSpPr>
+        <p:spPr>
+          <a:xfrm rot="16200000">
+            <a:off x="9001964" y="4857284"/>
+            <a:ext cx="2806233" cy="715680"/>
+          </a:xfrm>
+          <a:prstGeom prst="rect">
+            <a:avLst/>
+          </a:prstGeom>
+          <a:noFill/>
+          <a:ln>
+            <a:noFill/>
+          </a:ln>
+        </p:spPr>
+        <p:style>
+          <a:lnRef idx="0">
+            <a:scrgbClr r="0" g="0" b="0"/>
+          </a:lnRef>
+          <a:fillRef idx="0">
+            <a:scrgbClr r="0" g="0" b="0"/>
+          </a:fillRef>
+          <a:effectRef idx="0">
+            <a:scrgbClr r="0" g="0" b="0"/>
+          </a:effectRef>
+          <a:fontRef idx="minor"/>
+        </p:style>
+        <p:txBody>
+          <a:bodyPr lIns="0" tIns="0" rIns="0" bIns="0"/>
+          <a:lstStyle/>
+          <a:p>
+            <a:pPr>
+              <a:lnSpc>
+                <a:spcPts val="3849"/>
+              </a:lnSpc>
+            </a:pPr>
+            <a:r>
+              <a:rPr lang="en-US" sz="3850" b="0" strike="noStrike" spc="-117">
+                <a:solidFill>
+                  <a:srgbClr val="D1D3D4"/>
+                </a:solidFill>
+                <a:latin typeface="나눔명조"/>
+                <a:ea typeface="나눔명조"/>
+              </a:rPr>
+              <a:t>confidential</a:t>
+            </a:r>
+            <a:endParaRPr lang="en-US" sz="3850" b="0" strike="noStrike" spc="-1">
+              <a:latin typeface="Times New Roman"/>
+            </a:endParaRPr>
+          </a:p>
+        </p:txBody>
+      </p:sp>
+      <p:sp>
+        <p:nvSpPr>
+          <p:cNvPr id="190" name="CustomShape 5"/>
+          <p:cNvSpPr/>
+          <p:nvPr/>
+        </p:nvSpPr>
+        <p:spPr>
+          <a:xfrm>
+            <a:off x="4320000" y="864000"/>
+            <a:ext cx="5935680" cy="2263680"/>
+          </a:xfrm>
+          <a:prstGeom prst="rect">
+            <a:avLst/>
+          </a:prstGeom>
+          <a:noFill/>
+          <a:ln>
+            <a:noFill/>
+          </a:ln>
+        </p:spPr>
+        <p:style>
+          <a:lnRef idx="0">
+            <a:scrgbClr r="0" g="0" b="0"/>
+          </a:lnRef>
+          <a:fillRef idx="0">
+            <a:scrgbClr r="0" g="0" b="0"/>
+          </a:fillRef>
+          <a:effectRef idx="0">
+            <a:scrgbClr r="0" g="0" b="0"/>
+          </a:effectRef>
+          <a:fontRef idx="minor"/>
+        </p:style>
+      </p:sp>
+      <p:sp>
+        <p:nvSpPr>
+          <p:cNvPr id="191" name="CustomShape 6"/>
+          <p:cNvSpPr/>
+          <p:nvPr/>
+        </p:nvSpPr>
+        <p:spPr>
+          <a:xfrm>
+            <a:off x="7665840" y="184320"/>
+            <a:ext cx="2738880" cy="360720"/>
+          </a:xfrm>
+          <a:prstGeom prst="rect">
+            <a:avLst/>
+          </a:prstGeom>
+          <a:noFill/>
+          <a:ln>
+            <a:noFill/>
+          </a:ln>
+        </p:spPr>
+        <p:style>
+          <a:lnRef idx="0">
+            <a:scrgbClr r="0" g="0" b="0"/>
+          </a:lnRef>
+          <a:fillRef idx="0">
+            <a:scrgbClr r="0" g="0" b="0"/>
+          </a:fillRef>
+          <a:effectRef idx="0">
+            <a:scrgbClr r="0" g="0" b="0"/>
+          </a:effectRef>
+          <a:fontRef idx="minor"/>
+        </p:style>
+        <p:txBody>
+          <a:bodyPr lIns="90000" tIns="45000" rIns="90000" bIns="45000" anchor="ctr"/>
+          <a:lstStyle/>
+          <a:p>
+            <a:pPr algn="r">
+              <a:lnSpc>
+                <a:spcPct val="100000"/>
+              </a:lnSpc>
+            </a:pPr>
+            <a:fld id="{F03BA42A-7421-4EF0-BF65-C5133C922AE8}" type="slidenum">
+              <a:rPr lang="en-US" sz="3600" b="0" strike="noStrike" spc="-1">
+                <a:solidFill>
+                  <a:srgbClr val="B2B2B2"/>
+                </a:solidFill>
+                <a:latin typeface="맑은 고딕"/>
+                <a:ea typeface="DejaVu Sans"/>
+              </a:rPr>
+              <a:t>5</a:t>
             </a:fld>
             <a:endParaRPr lang="en-US" sz="3600" b="0" strike="noStrike" spc="-1">
               <a:latin typeface="Times New Roman"/>
@@ -8452,7 +9777,7 @@
         </p:blipFill>
         <p:spPr>
           <a:xfrm>
-            <a:off x="1302864" y="5570047"/>
+            <a:off x="1302864" y="5949638"/>
             <a:ext cx="8744376" cy="747625"/>
           </a:xfrm>
           <a:prstGeom prst="rect">
